--- a/topic05-list-comprehensions/unit-05a-lectures/talk-1/a-list-comprehensions.pptx
+++ b/topic05-list-comprehensions/unit-05a-lectures/talk-1/a-list-comprehensions.pptx
@@ -556,14 +556,14 @@
           </a:ln>
           <a:extLst>
             <a:ext uri="{909E8E84-426E-40dd-AFC4-6F175D3DCCD1}">
-              <a14:hiddenFill xmlns:a14="http://schemas.microsoft.com/office/drawing/2010/main" xmlns="">
+              <a14:hiddenFill xmlns="" xmlns:a14="http://schemas.microsoft.com/office/drawing/2010/main">
                 <a:solidFill>
                   <a:srgbClr val="FFFFFF"/>
                 </a:solidFill>
               </a14:hiddenFill>
             </a:ext>
             <a:ext uri="{FAA26D3D-D897-4be2-8F04-BA451C77F1D7}">
-              <ma14:placeholderFlag xmlns:ma14="http://schemas.microsoft.com/office/mac/drawingml/2011/main" xmlns="" val="1"/>
+              <ma14:placeholderFlag xmlns="" xmlns:ma14="http://schemas.microsoft.com/office/mac/drawingml/2011/main" val="1"/>
             </a:ext>
           </a:extLst>
         </p:spPr>
@@ -907,14 +907,14 @@
           <a:ln w="9525"/>
           <a:extLst>
             <a:ext uri="{909E8E84-426E-40dd-AFC4-6F175D3DCCD1}">
-              <a14:hiddenFill xmlns:a14="http://schemas.microsoft.com/office/drawing/2010/main" xmlns="">
+              <a14:hiddenFill xmlns="" xmlns:a14="http://schemas.microsoft.com/office/drawing/2010/main">
                 <a:solidFill>
                   <a:srgbClr val="FFFFFF"/>
                 </a:solidFill>
               </a14:hiddenFill>
             </a:ext>
             <a:ext uri="{91240B29-F687-4f45-9708-019B960494DF}">
-              <a14:hiddenLine xmlns:a14="http://schemas.microsoft.com/office/drawing/2010/main" xmlns="" w="12700" cap="sq">
+              <a14:hiddenLine xmlns="" xmlns:a14="http://schemas.microsoft.com/office/drawing/2010/main" w="12700" cap="sq">
                 <a:solidFill>
                   <a:srgbClr val="000000"/>
                 </a:solidFill>
@@ -1078,14 +1078,14 @@
           <a:ln w="9525"/>
           <a:extLst>
             <a:ext uri="{909E8E84-426E-40dd-AFC4-6F175D3DCCD1}">
-              <a14:hiddenFill xmlns:a14="http://schemas.microsoft.com/office/drawing/2010/main" xmlns="">
+              <a14:hiddenFill xmlns="" xmlns:a14="http://schemas.microsoft.com/office/drawing/2010/main">
                 <a:solidFill>
                   <a:srgbClr val="FFFFFF"/>
                 </a:solidFill>
               </a14:hiddenFill>
             </a:ext>
             <a:ext uri="{91240B29-F687-4f45-9708-019B960494DF}">
-              <a14:hiddenLine xmlns:a14="http://schemas.microsoft.com/office/drawing/2010/main" xmlns="" w="9525" cap="sq">
+              <a14:hiddenLine xmlns="" xmlns:a14="http://schemas.microsoft.com/office/drawing/2010/main" w="9525" cap="sq">
                 <a:solidFill>
                   <a:srgbClr val="000000"/>
                 </a:solidFill>
@@ -1095,7 +1095,7 @@
               </a14:hiddenLine>
             </a:ext>
             <a:ext uri="{FAA26D3D-D897-4be2-8F04-BA451C77F1D7}">
-              <ma14:placeholderFlag xmlns:ma14="http://schemas.microsoft.com/office/mac/drawingml/2011/main" xmlns="" val="1"/>
+              <ma14:placeholderFlag xmlns="" xmlns:ma14="http://schemas.microsoft.com/office/mac/drawingml/2011/main" val="1"/>
             </a:ext>
           </a:extLst>
         </p:spPr>
@@ -1394,7 +1394,7 @@
             <a:fld id="{08B9EBBA-996F-894A-B54A-D6246ED52CEA}" type="datetimeFigureOut">
               <a:rPr lang="en-US" smtClean="0"/>
               <a:pPr/>
-              <a:t>2/27/25</a:t>
+              <a:t>1/26/26</a:t>
             </a:fld>
             <a:endParaRPr lang="en-US" dirty="0"/>
           </a:p>
@@ -1816,7 +1816,7 @@
             <a:fld id="{09B482E8-6E0E-1B4F-B1FD-C69DB9E858D9}" type="datetimeFigureOut">
               <a:rPr lang="en-US" smtClean="0"/>
               <a:pPr/>
-              <a:t>2/27/25</a:t>
+              <a:t>1/26/26</a:t>
             </a:fld>
             <a:endParaRPr lang="en-US" dirty="0"/>
           </a:p>
@@ -2160,7 +2160,7 @@
             <a:fld id="{09B482E8-6E0E-1B4F-B1FD-C69DB9E858D9}" type="datetimeFigureOut">
               <a:rPr lang="en-US" smtClean="0"/>
               <a:pPr/>
-              <a:t>2/27/25</a:t>
+              <a:t>1/26/26</a:t>
             </a:fld>
             <a:endParaRPr lang="en-US" dirty="0"/>
           </a:p>
@@ -2573,7 +2573,7 @@
             <a:fld id="{09B482E8-6E0E-1B4F-B1FD-C69DB9E858D9}" type="datetimeFigureOut">
               <a:rPr lang="en-US" smtClean="0"/>
               <a:pPr/>
-              <a:t>2/27/25</a:t>
+              <a:t>1/26/26</a:t>
             </a:fld>
             <a:endParaRPr lang="en-US" dirty="0"/>
           </a:p>
@@ -3149,7 +3149,7 @@
             <a:fld id="{09B482E8-6E0E-1B4F-B1FD-C69DB9E858D9}" type="datetimeFigureOut">
               <a:rPr lang="en-US" smtClean="0"/>
               <a:pPr/>
-              <a:t>2/27/25</a:t>
+              <a:t>1/26/26</a:t>
             </a:fld>
             <a:endParaRPr lang="en-US" dirty="0"/>
           </a:p>
@@ -3838,7 +3838,7 @@
             <a:fld id="{09B482E8-6E0E-1B4F-B1FD-C69DB9E858D9}" type="datetimeFigureOut">
               <a:rPr lang="en-US" smtClean="0"/>
               <a:pPr/>
-              <a:t>2/27/25</a:t>
+              <a:t>1/26/26</a:t>
             </a:fld>
             <a:endParaRPr lang="en-US" dirty="0"/>
           </a:p>
@@ -4759,7 +4759,7 @@
             <a:fld id="{09B482E8-6E0E-1B4F-B1FD-C69DB9E858D9}" type="datetimeFigureOut">
               <a:rPr lang="en-US" smtClean="0"/>
               <a:pPr/>
-              <a:t>2/27/25</a:t>
+              <a:t>1/26/26</a:t>
             </a:fld>
             <a:endParaRPr lang="en-US" dirty="0"/>
           </a:p>
@@ -5080,7 +5080,7 @@
             <a:fld id="{09B482E8-6E0E-1B4F-B1FD-C69DB9E858D9}" type="datetimeFigureOut">
               <a:rPr lang="en-US" smtClean="0"/>
               <a:pPr/>
-              <a:t>2/27/25</a:t>
+              <a:t>1/26/26</a:t>
             </a:fld>
             <a:endParaRPr lang="en-US" dirty="0"/>
           </a:p>
@@ -5351,7 +5351,7 @@
             <a:fld id="{09B482E8-6E0E-1B4F-B1FD-C69DB9E858D9}" type="datetimeFigureOut">
               <a:rPr lang="en-US" smtClean="0"/>
               <a:pPr/>
-              <a:t>2/27/25</a:t>
+              <a:t>1/26/26</a:t>
             </a:fld>
             <a:endParaRPr lang="en-US" dirty="0"/>
           </a:p>
@@ -5681,7 +5681,7 @@
             <a:fld id="{09B482E8-6E0E-1B4F-B1FD-C69DB9E858D9}" type="datetimeFigureOut">
               <a:rPr lang="en-US" smtClean="0"/>
               <a:pPr/>
-              <a:t>2/27/25</a:t>
+              <a:t>1/26/26</a:t>
             </a:fld>
             <a:endParaRPr lang="en-US" dirty="0"/>
           </a:p>
@@ -6077,7 +6077,7 @@
             <a:fld id="{8DFA1846-DA80-1C48-A609-854EA85C59AD}" type="datetimeFigureOut">
               <a:rPr lang="en-US" smtClean="0"/>
               <a:pPr/>
-              <a:t>2/27/25</a:t>
+              <a:t>1/26/26</a:t>
             </a:fld>
             <a:endParaRPr lang="en-US" dirty="0"/>
           </a:p>
@@ -6460,7 +6460,7 @@
             <a:fld id="{09B482E8-6E0E-1B4F-B1FD-C69DB9E858D9}" type="datetimeFigureOut">
               <a:rPr lang="en-US" smtClean="0"/>
               <a:pPr/>
-              <a:t>2/27/25</a:t>
+              <a:t>1/26/26</a:t>
             </a:fld>
             <a:endParaRPr lang="en-US" dirty="0"/>
           </a:p>
@@ -6973,7 +6973,7 @@
             <a:fld id="{09B482E8-6E0E-1B4F-B1FD-C69DB9E858D9}" type="datetimeFigureOut">
               <a:rPr lang="en-US" smtClean="0"/>
               <a:pPr/>
-              <a:t>2/27/25</a:t>
+              <a:t>1/26/26</a:t>
             </a:fld>
             <a:endParaRPr lang="en-US" dirty="0"/>
           </a:p>
@@ -7237,7 +7237,7 @@
             <a:fld id="{F13A34C8-038E-2045-AF43-DF7DBB8E0E9E}" type="datetimeFigureOut">
               <a:rPr lang="en-US" smtClean="0"/>
               <a:pPr/>
-              <a:t>2/27/25</a:t>
+              <a:t>1/26/26</a:t>
             </a:fld>
             <a:endParaRPr lang="en-US" dirty="0"/>
           </a:p>
@@ -7388,6 +7388,13 @@
             <a:schemeClr val="lt1"/>
           </a:fontRef>
         </p:style>
+        <p:txBody>
+          <a:bodyPr/>
+          <a:lstStyle/>
+          <a:p>
+            <a:endParaRPr lang="en-US"/>
+          </a:p>
+        </p:txBody>
       </p:sp>
       <p:sp>
         <p:nvSpPr>
@@ -7407,7 +7414,7 @@
             <a:fld id="{8818C68F-D26B-8F47-958C-23B49CF8A634}" type="datetimeFigureOut">
               <a:rPr lang="en-US" smtClean="0"/>
               <a:pPr/>
-              <a:t>2/27/25</a:t>
+              <a:t>1/26/26</a:t>
             </a:fld>
             <a:endParaRPr lang="en-US" dirty="0"/>
           </a:p>
@@ -7804,7 +7811,7 @@
             <a:fld id="{09B482E8-6E0E-1B4F-B1FD-C69DB9E858D9}" type="datetimeFigureOut">
               <a:rPr lang="en-US" smtClean="0"/>
               <a:pPr/>
-              <a:t>2/27/25</a:t>
+              <a:t>1/26/26</a:t>
             </a:fld>
             <a:endParaRPr lang="en-US" dirty="0"/>
           </a:p>
@@ -8220,7 +8227,7 @@
             <a:fld id="{09B482E8-6E0E-1B4F-B1FD-C69DB9E858D9}" type="datetimeFigureOut">
               <a:rPr lang="en-US" smtClean="0"/>
               <a:pPr/>
-              <a:t>2/27/25</a:t>
+              <a:t>1/26/26</a:t>
             </a:fld>
             <a:endParaRPr lang="en-US" dirty="0"/>
           </a:p>
@@ -8471,7 +8478,7 @@
             <a:fld id="{09B482E8-6E0E-1B4F-B1FD-C69DB9E858D9}" type="datetimeFigureOut">
               <a:rPr lang="en-US" smtClean="0"/>
               <a:pPr/>
-              <a:t>2/27/25</a:t>
+              <a:t>1/26/26</a:t>
             </a:fld>
             <a:endParaRPr lang="en-US" dirty="0"/>
           </a:p>
@@ -8909,14 +8916,14 @@
           <a:ln/>
           <a:extLst>
             <a:ext uri="{909E8E84-426E-40dd-AFC4-6F175D3DCCD1}">
-              <a14:hiddenFill xmlns:a14="http://schemas.microsoft.com/office/drawing/2010/main" xmlns="">
+              <a14:hiddenFill xmlns="" xmlns:a14="http://schemas.microsoft.com/office/drawing/2010/main">
                 <a:solidFill>
                   <a:srgbClr val="FFFFFF"/>
                 </a:solidFill>
               </a14:hiddenFill>
             </a:ext>
             <a:ext uri="{91240B29-F687-4f45-9708-019B960494DF}">
-              <a14:hiddenLine xmlns:a14="http://schemas.microsoft.com/office/drawing/2010/main" xmlns="" w="9525">
+              <a14:hiddenLine xmlns="" xmlns:a14="http://schemas.microsoft.com/office/drawing/2010/main" w="9525">
                 <a:solidFill>
                   <a:srgbClr val="000000"/>
                 </a:solidFill>
@@ -9069,14 +9076,14 @@
           </a:ln>
           <a:extLst>
             <a:ext uri="{909E8E84-426E-40dd-AFC4-6F175D3DCCD1}">
-              <a14:hiddenFill xmlns:a14="http://schemas.microsoft.com/office/drawing/2010/main" xmlns="">
+              <a14:hiddenFill xmlns="" xmlns:a14="http://schemas.microsoft.com/office/drawing/2010/main">
                 <a:solidFill>
                   <a:srgbClr val="FFFFFF"/>
                 </a:solidFill>
               </a14:hiddenFill>
             </a:ext>
             <a:ext uri="{91240B29-F687-4f45-9708-019B960494DF}">
-              <a14:hiddenLine xmlns:a14="http://schemas.microsoft.com/office/drawing/2010/main" xmlns="" w="9525">
+              <a14:hiddenLine xmlns="" xmlns:a14="http://schemas.microsoft.com/office/drawing/2010/main" w="9525">
                 <a:solidFill>
                   <a:srgbClr val="000000"/>
                 </a:solidFill>
@@ -9235,14 +9242,14 @@
           </a:ln>
           <a:extLst>
             <a:ext uri="{909E8E84-426E-40dd-AFC4-6F175D3DCCD1}">
-              <a14:hiddenFill xmlns:a14="http://schemas.microsoft.com/office/drawing/2010/main" xmlns="">
+              <a14:hiddenFill xmlns="" xmlns:a14="http://schemas.microsoft.com/office/drawing/2010/main">
                 <a:solidFill>
                   <a:srgbClr val="FFFFFF"/>
                 </a:solidFill>
               </a14:hiddenFill>
             </a:ext>
             <a:ext uri="{91240B29-F687-4f45-9708-019B960494DF}">
-              <a14:hiddenLine xmlns:a14="http://schemas.microsoft.com/office/drawing/2010/main" xmlns="" w="9525">
+              <a14:hiddenLine xmlns="" xmlns:a14="http://schemas.microsoft.com/office/drawing/2010/main" w="9525">
                 <a:solidFill>
                   <a:srgbClr val="000000"/>
                 </a:solidFill>
@@ -9259,8 +9266,8 @@
           <a:p>
             <a:pPr algn="ctr"/>
             <a:r>
-              <a:rPr kumimoji="1" lang="en-US" sz="3200"/>
-              <a:t>Chapter 5 - List Comprehensions</a:t>
+              <a:rPr kumimoji="1" lang="en-US" sz="3200" dirty="0"/>
+              <a:t>Topic 5 - List Comprehensions</a:t>
             </a:r>
           </a:p>
         </p:txBody>
@@ -9300,14 +9307,14 @@
           </a:ln>
           <a:extLst>
             <a:ext uri="{909E8E84-426E-40dd-AFC4-6F175D3DCCD1}">
-              <a14:hiddenFill xmlns:a14="http://schemas.microsoft.com/office/drawing/2010/main" xmlns="">
+              <a14:hiddenFill xmlns="" xmlns:a14="http://schemas.microsoft.com/office/drawing/2010/main">
                 <a:solidFill>
                   <a:srgbClr val="FFFFFF"/>
                 </a:solidFill>
               </a14:hiddenFill>
             </a:ext>
             <a:ext uri="{91240B29-F687-4f45-9708-019B960494DF}">
-              <a14:hiddenLine xmlns:a14="http://schemas.microsoft.com/office/drawing/2010/main" xmlns="" w="9525">
+              <a14:hiddenLine xmlns="" xmlns:a14="http://schemas.microsoft.com/office/drawing/2010/main" w="9525">
                 <a:solidFill>
                   <a:srgbClr val="000000"/>
                 </a:solidFill>
@@ -9359,14 +9366,14 @@
           <a:ln/>
           <a:extLst>
             <a:ext uri="{909E8E84-426E-40dd-AFC4-6F175D3DCCD1}">
-              <a14:hiddenFill xmlns:a14="http://schemas.microsoft.com/office/drawing/2010/main" xmlns="">
+              <a14:hiddenFill xmlns="" xmlns:a14="http://schemas.microsoft.com/office/drawing/2010/main">
                 <a:solidFill>
                   <a:srgbClr val="FFFFFF"/>
                 </a:solidFill>
               </a14:hiddenFill>
             </a:ext>
             <a:ext uri="{91240B29-F687-4f45-9708-019B960494DF}">
-              <a14:hiddenLine xmlns:a14="http://schemas.microsoft.com/office/drawing/2010/main" xmlns="" w="9525">
+              <a14:hiddenLine xmlns="" xmlns:a14="http://schemas.microsoft.com/office/drawing/2010/main" w="9525">
                 <a:solidFill>
                   <a:srgbClr val="000000"/>
                 </a:solidFill>
@@ -9517,11 +9524,13 @@
             <a:schemeClr val="accent1"/>
           </a:solidFill>
           <a:ln>
-            <a:noFill/>
+            <a:solidFill>
+              <a:schemeClr val="bg1"/>
+            </a:solidFill>
           </a:ln>
           <a:extLst>
             <a:ext uri="{91240B29-F687-4f45-9708-019B960494DF}">
-              <a14:hiddenLine xmlns:a14="http://schemas.microsoft.com/office/drawing/2010/main" xmlns="" w="12700" cap="sq">
+              <a14:hiddenLine xmlns="" xmlns:a14="http://schemas.microsoft.com/office/drawing/2010/main" w="12700" cap="sq">
                 <a:solidFill>
                   <a:srgbClr val="000000"/>
                 </a:solidFill>
@@ -9728,7 +9737,7 @@
         </p:nvSpPr>
         <p:spPr bwMode="auto">
           <a:xfrm>
-            <a:off x="1935163" y="581025"/>
+            <a:off x="675174" y="753228"/>
             <a:ext cx="8208962" cy="946150"/>
           </a:xfrm>
           <a:prstGeom prst="rect">
@@ -9740,14 +9749,14 @@
           </a:ln>
           <a:extLst>
             <a:ext uri="{909E8E84-426E-40dd-AFC4-6F175D3DCCD1}">
-              <a14:hiddenFill xmlns:a14="http://schemas.microsoft.com/office/drawing/2010/main" xmlns="">
+              <a14:hiddenFill xmlns="" xmlns:a14="http://schemas.microsoft.com/office/drawing/2010/main">
                 <a:solidFill>
                   <a:srgbClr val="FFFFFF"/>
                 </a:solidFill>
               </a14:hiddenFill>
             </a:ext>
             <a:ext uri="{91240B29-F687-4f45-9708-019B960494DF}">
-              <a14:hiddenLine xmlns:a14="http://schemas.microsoft.com/office/drawing/2010/main" xmlns="" w="12700" cap="sq">
+              <a14:hiddenLine xmlns="" xmlns:a14="http://schemas.microsoft.com/office/drawing/2010/main" w="12700" cap="sq">
                 <a:solidFill>
                   <a:srgbClr val="000000"/>
                 </a:solidFill>
@@ -9872,15 +9881,15 @@
           </a:lstStyle>
           <a:p>
             <a:r>
-              <a:rPr lang="en-US"/>
+              <a:rPr lang="en-US" dirty="0"/>
               <a:t>Using a guard we can define a function that maps a positive integer to its list of </a:t>
             </a:r>
             <a:r>
-              <a:rPr lang="en-US" u="sng"/>
+              <a:rPr lang="en-US" u="sng" dirty="0"/>
               <a:t>factors</a:t>
             </a:r>
             <a:r>
-              <a:rPr lang="en-US"/>
+              <a:rPr lang="en-US" dirty="0"/>
               <a:t>:</a:t>
             </a:r>
           </a:p>
@@ -9908,14 +9917,14 @@
           </a:ln>
           <a:extLst>
             <a:ext uri="{909E8E84-426E-40dd-AFC4-6F175D3DCCD1}">
-              <a14:hiddenFill xmlns:a14="http://schemas.microsoft.com/office/drawing/2010/main" xmlns="">
+              <a14:hiddenFill xmlns="" xmlns:a14="http://schemas.microsoft.com/office/drawing/2010/main">
                 <a:solidFill>
                   <a:srgbClr val="FFFFFF"/>
                 </a:solidFill>
               </a14:hiddenFill>
             </a:ext>
             <a:ext uri="{91240B29-F687-4f45-9708-019B960494DF}">
-              <a14:hiddenLine xmlns:a14="http://schemas.microsoft.com/office/drawing/2010/main" xmlns="" w="12700" cap="sq">
+              <a14:hiddenLine xmlns="" xmlns:a14="http://schemas.microsoft.com/office/drawing/2010/main" w="12700" cap="sq">
                 <a:solidFill>
                   <a:srgbClr val="000000"/>
                 </a:solidFill>
@@ -10066,11 +10075,13 @@
             <a:schemeClr val="accent1"/>
           </a:solidFill>
           <a:ln>
-            <a:noFill/>
+            <a:solidFill>
+              <a:schemeClr val="bg1"/>
+            </a:solidFill>
           </a:ln>
           <a:extLst>
             <a:ext uri="{91240B29-F687-4f45-9708-019B960494DF}">
-              <a14:hiddenLine xmlns:a14="http://schemas.microsoft.com/office/drawing/2010/main" xmlns="" w="12700" cap="sq">
+              <a14:hiddenLine xmlns="" xmlns:a14="http://schemas.microsoft.com/office/drawing/2010/main" w="12700" cap="sq">
                 <a:solidFill>
                   <a:srgbClr val="000000"/>
                 </a:solidFill>
@@ -10483,8 +10494,13 @@
           </a:bodyPr>
           <a:lstStyle/>
           <a:p>
-            <a:r>
-              <a:rPr lang="en-US" sz="3200" dirty="0"/>
+            <a:pPr defTabSz="457200" eaLnBrk="0" fontAlgn="base" hangingPunct="0">
+              <a:spcAft>
+                <a:spcPct val="0"/>
+              </a:spcAft>
+            </a:pPr>
+            <a:r>
+              <a:rPr kumimoji="1" lang="en-US" sz="3200" dirty="0"/>
               <a:t>Prime numbers</a:t>
             </a:r>
           </a:p>
@@ -10505,14 +10521,14 @@
           <a:ln/>
           <a:extLst>
             <a:ext uri="{909E8E84-426E-40dd-AFC4-6F175D3DCCD1}">
-              <a14:hiddenFill xmlns:a14="http://schemas.microsoft.com/office/drawing/2010/main" xmlns="">
+              <a14:hiddenFill xmlns="" xmlns:a14="http://schemas.microsoft.com/office/drawing/2010/main">
                 <a:solidFill>
                   <a:srgbClr val="FFFFFF"/>
                 </a:solidFill>
               </a14:hiddenFill>
             </a:ext>
             <a:ext uri="{91240B29-F687-4f45-9708-019B960494DF}">
-              <a14:hiddenLine xmlns:a14="http://schemas.microsoft.com/office/drawing/2010/main" xmlns="" w="9525">
+              <a14:hiddenLine xmlns="" xmlns:a14="http://schemas.microsoft.com/office/drawing/2010/main" w="9525">
                 <a:solidFill>
                   <a:srgbClr val="000000"/>
                 </a:solidFill>
@@ -10665,14 +10681,14 @@
           </a:ln>
           <a:extLst>
             <a:ext uri="{909E8E84-426E-40dd-AFC4-6F175D3DCCD1}">
-              <a14:hiddenFill xmlns:a14="http://schemas.microsoft.com/office/drawing/2010/main" xmlns="">
+              <a14:hiddenFill xmlns="" xmlns:a14="http://schemas.microsoft.com/office/drawing/2010/main">
                 <a:solidFill>
                   <a:srgbClr val="FFFFFF"/>
                 </a:solidFill>
               </a14:hiddenFill>
             </a:ext>
             <a:ext uri="{91240B29-F687-4f45-9708-019B960494DF}">
-              <a14:hiddenLine xmlns:a14="http://schemas.microsoft.com/office/drawing/2010/main" xmlns="" w="12700" cap="sq">
+              <a14:hiddenLine xmlns="" xmlns:a14="http://schemas.microsoft.com/office/drawing/2010/main" w="12700" cap="sq">
                 <a:solidFill>
                   <a:srgbClr val="000000"/>
                 </a:solidFill>
@@ -10831,11 +10847,13 @@
             <a:schemeClr val="accent1"/>
           </a:solidFill>
           <a:ln>
-            <a:noFill/>
+            <a:solidFill>
+              <a:schemeClr val="bg1"/>
+            </a:solidFill>
           </a:ln>
           <a:extLst>
             <a:ext uri="{91240B29-F687-4f45-9708-019B960494DF}">
-              <a14:hiddenLine xmlns:a14="http://schemas.microsoft.com/office/drawing/2010/main" xmlns="" w="12700" cap="sq">
+              <a14:hiddenLine xmlns="" xmlns:a14="http://schemas.microsoft.com/office/drawing/2010/main" w="12700" cap="sq">
                 <a:solidFill>
                   <a:srgbClr val="000000"/>
                 </a:solidFill>
@@ -11025,14 +11043,14 @@
           </a:ln>
           <a:extLst>
             <a:ext uri="{909E8E84-426E-40dd-AFC4-6F175D3DCCD1}">
-              <a14:hiddenFill xmlns:a14="http://schemas.microsoft.com/office/drawing/2010/main" xmlns="">
+              <a14:hiddenFill xmlns="" xmlns:a14="http://schemas.microsoft.com/office/drawing/2010/main">
                 <a:solidFill>
                   <a:srgbClr val="FFFFFF"/>
                 </a:solidFill>
               </a14:hiddenFill>
             </a:ext>
             <a:ext uri="{91240B29-F687-4f45-9708-019B960494DF}">
-              <a14:hiddenLine xmlns:a14="http://schemas.microsoft.com/office/drawing/2010/main" xmlns="" w="12700" cap="sq">
+              <a14:hiddenLine xmlns="" xmlns:a14="http://schemas.microsoft.com/office/drawing/2010/main" w="12700" cap="sq">
                 <a:solidFill>
                   <a:srgbClr val="000000"/>
                 </a:solidFill>
@@ -11183,11 +11201,13 @@
             <a:schemeClr val="accent1"/>
           </a:solidFill>
           <a:ln>
-            <a:noFill/>
+            <a:solidFill>
+              <a:schemeClr val="bg1"/>
+            </a:solidFill>
           </a:ln>
           <a:extLst>
             <a:ext uri="{91240B29-F687-4f45-9708-019B960494DF}">
-              <a14:hiddenLine xmlns:a14="http://schemas.microsoft.com/office/drawing/2010/main" xmlns="" w="12700" cap="sq">
+              <a14:hiddenLine xmlns="" xmlns:a14="http://schemas.microsoft.com/office/drawing/2010/main" w="12700" cap="sq">
                 <a:solidFill>
                   <a:srgbClr val="000000"/>
                 </a:solidFill>
@@ -11691,14 +11711,14 @@
           <a:ln/>
           <a:extLst>
             <a:ext uri="{909E8E84-426E-40dd-AFC4-6F175D3DCCD1}">
-              <a14:hiddenFill xmlns:a14="http://schemas.microsoft.com/office/drawing/2010/main" xmlns="">
+              <a14:hiddenFill xmlns="" xmlns:a14="http://schemas.microsoft.com/office/drawing/2010/main">
                 <a:solidFill>
                   <a:srgbClr val="FFFFFF"/>
                 </a:solidFill>
               </a14:hiddenFill>
             </a:ext>
             <a:ext uri="{91240B29-F687-4f45-9708-019B960494DF}">
-              <a14:hiddenLine xmlns:a14="http://schemas.microsoft.com/office/drawing/2010/main" xmlns="" w="9525">
+              <a14:hiddenLine xmlns="" xmlns:a14="http://schemas.microsoft.com/office/drawing/2010/main" w="9525">
                 <a:solidFill>
                   <a:srgbClr val="000000"/>
                 </a:solidFill>
@@ -11851,14 +11871,14 @@
           </a:ln>
           <a:extLst>
             <a:ext uri="{909E8E84-426E-40dd-AFC4-6F175D3DCCD1}">
-              <a14:hiddenFill xmlns:a14="http://schemas.microsoft.com/office/drawing/2010/main" xmlns="">
+              <a14:hiddenFill xmlns="" xmlns:a14="http://schemas.microsoft.com/office/drawing/2010/main">
                 <a:solidFill>
                   <a:srgbClr val="FFFFFF"/>
                 </a:solidFill>
               </a14:hiddenFill>
             </a:ext>
             <a:ext uri="{91240B29-F687-4f45-9708-019B960494DF}">
-              <a14:hiddenLine xmlns:a14="http://schemas.microsoft.com/office/drawing/2010/main" xmlns="" w="12700" cap="sq">
+              <a14:hiddenLine xmlns="" xmlns:a14="http://schemas.microsoft.com/office/drawing/2010/main" w="12700" cap="sq">
                 <a:solidFill>
                   <a:srgbClr val="000000"/>
                 </a:solidFill>
@@ -12017,11 +12037,13 @@
             <a:schemeClr val="accent1"/>
           </a:solidFill>
           <a:ln>
-            <a:noFill/>
+            <a:solidFill>
+              <a:schemeClr val="bg1"/>
+            </a:solidFill>
           </a:ln>
           <a:extLst>
             <a:ext uri="{91240B29-F687-4f45-9708-019B960494DF}">
-              <a14:hiddenLine xmlns:a14="http://schemas.microsoft.com/office/drawing/2010/main" xmlns="" w="12700" cap="sq">
+              <a14:hiddenLine xmlns="" xmlns:a14="http://schemas.microsoft.com/office/drawing/2010/main" w="12700" cap="sq">
                 <a:solidFill>
                   <a:srgbClr val="000000"/>
                 </a:solidFill>
@@ -12220,14 +12242,14 @@
           </a:ln>
           <a:extLst>
             <a:ext uri="{909E8E84-426E-40dd-AFC4-6F175D3DCCD1}">
-              <a14:hiddenFill xmlns:a14="http://schemas.microsoft.com/office/drawing/2010/main" xmlns="">
+              <a14:hiddenFill xmlns="" xmlns:a14="http://schemas.microsoft.com/office/drawing/2010/main">
                 <a:solidFill>
                   <a:srgbClr val="FFFFFF"/>
                 </a:solidFill>
               </a14:hiddenFill>
             </a:ext>
             <a:ext uri="{91240B29-F687-4f45-9708-019B960494DF}">
-              <a14:hiddenLine xmlns:a14="http://schemas.microsoft.com/office/drawing/2010/main" xmlns="" w="12700" cap="sq">
+              <a14:hiddenLine xmlns="" xmlns:a14="http://schemas.microsoft.com/office/drawing/2010/main" w="12700" cap="sq">
                 <a:solidFill>
                   <a:srgbClr val="000000"/>
                 </a:solidFill>
@@ -12378,11 +12400,13 @@
             <a:schemeClr val="accent1"/>
           </a:solidFill>
           <a:ln>
-            <a:noFill/>
+            <a:solidFill>
+              <a:schemeClr val="bg1"/>
+            </a:solidFill>
           </a:ln>
           <a:extLst>
             <a:ext uri="{91240B29-F687-4f45-9708-019B960494DF}">
-              <a14:hiddenLine xmlns:a14="http://schemas.microsoft.com/office/drawing/2010/main" xmlns="" w="12700" cap="sq">
+              <a14:hiddenLine xmlns="" xmlns:a14="http://schemas.microsoft.com/office/drawing/2010/main" w="12700" cap="sq">
                 <a:solidFill>
                   <a:srgbClr val="000000"/>
                 </a:solidFill>
@@ -12544,7 +12568,7 @@
         </p:nvSpPr>
         <p:spPr>
           <a:xfrm>
-            <a:off x="680321" y="753228"/>
+            <a:off x="308392" y="935872"/>
             <a:ext cx="9613861" cy="1080938"/>
           </a:xfrm>
           <a:prstGeom prst="rect">
@@ -12576,10 +12600,9 @@
           </a:lstStyle>
           <a:p>
             <a:r>
-              <a:rPr lang="en-US" sz="3200"/>
+              <a:rPr lang="en-US" sz="3200" dirty="0"/>
               <a:t>Prime numbers</a:t>
             </a:r>
-            <a:endParaRPr lang="en-US" sz="3200" dirty="0"/>
           </a:p>
         </p:txBody>
       </p:sp>
@@ -12926,17 +12949,20 @@
             <p:ph type="title"/>
           </p:nvPr>
         </p:nvSpPr>
-        <p:spPr/>
+        <p:spPr>
+          <a:xfrm>
+            <a:off x="308392" y="728845"/>
+            <a:ext cx="9613861" cy="1080938"/>
+          </a:xfrm>
+        </p:spPr>
         <p:txBody>
-          <a:bodyPr/>
+          <a:bodyPr>
+            <a:normAutofit/>
+          </a:bodyPr>
           <a:lstStyle/>
           <a:p>
             <a:r>
-              <a:rPr lang="en-US" dirty="0">
-                <a:latin typeface="Arial Black" charset="0"/>
-                <a:ea typeface="ＭＳ Ｐゴシック" charset="0"/>
-                <a:cs typeface="ＭＳ Ｐゴシック" charset="0"/>
-              </a:rPr>
+              <a:rPr lang="en-US" sz="3200" dirty="0"/>
               <a:t>The Zip Function</a:t>
             </a:r>
           </a:p>
@@ -12957,14 +12983,14 @@
           <a:ln/>
           <a:extLst>
             <a:ext uri="{909E8E84-426E-40dd-AFC4-6F175D3DCCD1}">
-              <a14:hiddenFill xmlns:a14="http://schemas.microsoft.com/office/drawing/2010/main" xmlns="">
+              <a14:hiddenFill xmlns="" xmlns:a14="http://schemas.microsoft.com/office/drawing/2010/main">
                 <a:solidFill>
                   <a:srgbClr val="FFFFFF"/>
                 </a:solidFill>
               </a14:hiddenFill>
             </a:ext>
             <a:ext uri="{91240B29-F687-4f45-9708-019B960494DF}">
-              <a14:hiddenLine xmlns:a14="http://schemas.microsoft.com/office/drawing/2010/main" xmlns="" w="9525">
+              <a14:hiddenLine xmlns="" xmlns:a14="http://schemas.microsoft.com/office/drawing/2010/main" w="9525">
                 <a:solidFill>
                   <a:srgbClr val="000000"/>
                 </a:solidFill>
@@ -13117,14 +13143,14 @@
           </a:ln>
           <a:extLst>
             <a:ext uri="{909E8E84-426E-40dd-AFC4-6F175D3DCCD1}">
-              <a14:hiddenFill xmlns:a14="http://schemas.microsoft.com/office/drawing/2010/main" xmlns="">
+              <a14:hiddenFill xmlns="" xmlns:a14="http://schemas.microsoft.com/office/drawing/2010/main">
                 <a:solidFill>
                   <a:srgbClr val="FFFFFF"/>
                 </a:solidFill>
               </a14:hiddenFill>
             </a:ext>
             <a:ext uri="{91240B29-F687-4f45-9708-019B960494DF}">
-              <a14:hiddenLine xmlns:a14="http://schemas.microsoft.com/office/drawing/2010/main" xmlns="" w="12700" cap="sq">
+              <a14:hiddenLine xmlns="" xmlns:a14="http://schemas.microsoft.com/office/drawing/2010/main" w="12700" cap="sq">
                 <a:solidFill>
                   <a:srgbClr val="000000"/>
                 </a:solidFill>
@@ -13283,11 +13309,13 @@
             <a:schemeClr val="accent1"/>
           </a:solidFill>
           <a:ln>
-            <a:noFill/>
+            <a:solidFill>
+              <a:schemeClr val="bg1"/>
+            </a:solidFill>
           </a:ln>
           <a:extLst>
             <a:ext uri="{91240B29-F687-4f45-9708-019B960494DF}">
-              <a14:hiddenLine xmlns:a14="http://schemas.microsoft.com/office/drawing/2010/main" xmlns="" w="12700" cap="sq">
+              <a14:hiddenLine xmlns="" xmlns:a14="http://schemas.microsoft.com/office/drawing/2010/main" w="12700" cap="sq">
                 <a:solidFill>
                   <a:srgbClr val="000000"/>
                 </a:solidFill>
@@ -13480,14 +13508,14 @@
           </a:ln>
           <a:extLst>
             <a:ext uri="{909E8E84-426E-40dd-AFC4-6F175D3DCCD1}">
-              <a14:hiddenFill xmlns:a14="http://schemas.microsoft.com/office/drawing/2010/main" xmlns="">
+              <a14:hiddenFill xmlns="" xmlns:a14="http://schemas.microsoft.com/office/drawing/2010/main">
                 <a:solidFill>
                   <a:srgbClr val="FFFFFF"/>
                 </a:solidFill>
               </a14:hiddenFill>
             </a:ext>
             <a:ext uri="{91240B29-F687-4f45-9708-019B960494DF}">
-              <a14:hiddenLine xmlns:a14="http://schemas.microsoft.com/office/drawing/2010/main" xmlns="" w="12700" cap="sq">
+              <a14:hiddenLine xmlns="" xmlns:a14="http://schemas.microsoft.com/office/drawing/2010/main" w="12700" cap="sq">
                 <a:solidFill>
                   <a:srgbClr val="000000"/>
                 </a:solidFill>
@@ -13638,11 +13666,13 @@
             <a:schemeClr val="accent1"/>
           </a:solidFill>
           <a:ln>
-            <a:noFill/>
+            <a:solidFill>
+              <a:schemeClr val="bg1"/>
+            </a:solidFill>
           </a:ln>
           <a:extLst>
             <a:ext uri="{91240B29-F687-4f45-9708-019B960494DF}">
-              <a14:hiddenLine xmlns:a14="http://schemas.microsoft.com/office/drawing/2010/main" xmlns="" w="12700" cap="sq">
+              <a14:hiddenLine xmlns="" xmlns:a14="http://schemas.microsoft.com/office/drawing/2010/main" w="12700" cap="sq">
                 <a:solidFill>
                   <a:srgbClr val="000000"/>
                 </a:solidFill>
@@ -14293,14 +14323,14 @@
           <a:ln/>
           <a:extLst>
             <a:ext uri="{909E8E84-426E-40dd-AFC4-6F175D3DCCD1}">
-              <a14:hiddenFill xmlns:a14="http://schemas.microsoft.com/office/drawing/2010/main" xmlns="">
+              <a14:hiddenFill xmlns="" xmlns:a14="http://schemas.microsoft.com/office/drawing/2010/main">
                 <a:solidFill>
                   <a:srgbClr val="FFFFFF"/>
                 </a:solidFill>
               </a14:hiddenFill>
             </a:ext>
             <a:ext uri="{91240B29-F687-4f45-9708-019B960494DF}">
-              <a14:hiddenLine xmlns:a14="http://schemas.microsoft.com/office/drawing/2010/main" xmlns="" w="9525">
+              <a14:hiddenLine xmlns="" xmlns:a14="http://schemas.microsoft.com/office/drawing/2010/main" w="9525">
                 <a:solidFill>
                   <a:srgbClr val="000000"/>
                 </a:solidFill>
@@ -14453,14 +14483,14 @@
           </a:ln>
           <a:extLst>
             <a:ext uri="{909E8E84-426E-40dd-AFC4-6F175D3DCCD1}">
-              <a14:hiddenFill xmlns:a14="http://schemas.microsoft.com/office/drawing/2010/main" xmlns="">
+              <a14:hiddenFill xmlns="" xmlns:a14="http://schemas.microsoft.com/office/drawing/2010/main">
                 <a:solidFill>
                   <a:srgbClr val="FFFFFF"/>
                 </a:solidFill>
               </a14:hiddenFill>
             </a:ext>
             <a:ext uri="{91240B29-F687-4f45-9708-019B960494DF}">
-              <a14:hiddenLine xmlns:a14="http://schemas.microsoft.com/office/drawing/2010/main" xmlns="" w="12700" cap="sq">
+              <a14:hiddenLine xmlns="" xmlns:a14="http://schemas.microsoft.com/office/drawing/2010/main" w="12700" cap="sq">
                 <a:solidFill>
                   <a:srgbClr val="000000"/>
                 </a:solidFill>
@@ -14621,14 +14651,14 @@
           </a:ln>
           <a:extLst>
             <a:ext uri="{909E8E84-426E-40dd-AFC4-6F175D3DCCD1}">
-              <a14:hiddenFill xmlns:a14="http://schemas.microsoft.com/office/drawing/2010/main" xmlns="">
+              <a14:hiddenFill xmlns="" xmlns:a14="http://schemas.microsoft.com/office/drawing/2010/main">
                 <a:solidFill>
                   <a:srgbClr val="FFFFFF"/>
                 </a:solidFill>
               </a14:hiddenFill>
             </a:ext>
             <a:ext uri="{91240B29-F687-4f45-9708-019B960494DF}">
-              <a14:hiddenLine xmlns:a14="http://schemas.microsoft.com/office/drawing/2010/main" xmlns="" w="12700" cap="sq">
+              <a14:hiddenLine xmlns="" xmlns:a14="http://schemas.microsoft.com/office/drawing/2010/main" w="12700" cap="sq">
                 <a:solidFill>
                   <a:srgbClr val="000000"/>
                 </a:solidFill>
@@ -14783,7 +14813,7 @@
           </a:ln>
           <a:extLst>
             <a:ext uri="{91240B29-F687-4f45-9708-019B960494DF}">
-              <a14:hiddenLine xmlns:a14="http://schemas.microsoft.com/office/drawing/2010/main" xmlns="" w="12700" cap="sq">
+              <a14:hiddenLine xmlns="" xmlns:a14="http://schemas.microsoft.com/office/drawing/2010/main" w="12700" cap="sq">
                 <a:solidFill>
                   <a:srgbClr val="000000"/>
                 </a:solidFill>
@@ -15019,7 +15049,7 @@
           </a:ln>
           <a:extLst>
             <a:ext uri="{91240B29-F687-4f45-9708-019B960494DF}">
-              <a14:hiddenLine xmlns:a14="http://schemas.microsoft.com/office/drawing/2010/main" xmlns="" w="12700" cap="sq">
+              <a14:hiddenLine xmlns="" xmlns:a14="http://schemas.microsoft.com/office/drawing/2010/main" w="12700" cap="sq">
                 <a:solidFill>
                   <a:srgbClr val="000000"/>
                 </a:solidFill>
@@ -15181,7 +15211,7 @@
         </p:nvSpPr>
         <p:spPr>
           <a:xfrm>
-            <a:off x="680321" y="753228"/>
+            <a:off x="308392" y="964354"/>
             <a:ext cx="9613861" cy="1080938"/>
           </a:xfrm>
           <a:prstGeom prst="rect">
@@ -15211,11 +15241,7 @@
           </a:lstStyle>
           <a:p>
             <a:r>
-              <a:rPr lang="en-US" dirty="0">
-                <a:latin typeface="Arial Black" charset="0"/>
-                <a:ea typeface="ＭＳ Ｐゴシック" charset="0"/>
-                <a:cs typeface="ＭＳ Ｐゴシック" charset="0"/>
-              </a:rPr>
+              <a:rPr lang="en-US" sz="3200" dirty="0"/>
               <a:t>The Zip Function</a:t>
             </a:r>
           </a:p>
@@ -15260,7 +15286,7 @@
           </a:ln>
           <a:extLst>
             <a:ext uri="{909E8E84-426E-40dd-AFC4-6F175D3DCCD1}">
-              <a14:hiddenFill xmlns:a14="http://schemas.microsoft.com/office/drawing/2010/main" xmlns="">
+              <a14:hiddenFill xmlns="" xmlns:a14="http://schemas.microsoft.com/office/drawing/2010/main">
                 <a:solidFill>
                   <a:srgbClr val="FFFFFF"/>
                 </a:solidFill>
@@ -15725,11 +15751,13 @@
         </p:nvSpPr>
         <p:spPr/>
         <p:txBody>
-          <a:bodyPr/>
+          <a:bodyPr>
+            <a:normAutofit/>
+          </a:bodyPr>
           <a:lstStyle/>
           <a:p>
             <a:r>
-              <a:rPr lang="en-US" dirty="0"/>
+              <a:rPr lang="en-US" sz="3200" dirty="0"/>
               <a:t>Using the pairs function</a:t>
             </a:r>
           </a:p>
@@ -15750,14 +15778,14 @@
           <a:ln/>
           <a:extLst>
             <a:ext uri="{909E8E84-426E-40dd-AFC4-6F175D3DCCD1}">
-              <a14:hiddenFill xmlns:a14="http://schemas.microsoft.com/office/drawing/2010/main" xmlns="">
+              <a14:hiddenFill xmlns="" xmlns:a14="http://schemas.microsoft.com/office/drawing/2010/main">
                 <a:solidFill>
                   <a:srgbClr val="FFFFFF"/>
                 </a:solidFill>
               </a14:hiddenFill>
             </a:ext>
             <a:ext uri="{91240B29-F687-4f45-9708-019B960494DF}">
-              <a14:hiddenLine xmlns:a14="http://schemas.microsoft.com/office/drawing/2010/main" xmlns="" w="9525">
+              <a14:hiddenLine xmlns="" xmlns:a14="http://schemas.microsoft.com/office/drawing/2010/main" w="9525">
                 <a:solidFill>
                   <a:srgbClr val="000000"/>
                 </a:solidFill>
@@ -15910,14 +15938,14 @@
           </a:ln>
           <a:extLst>
             <a:ext uri="{909E8E84-426E-40dd-AFC4-6F175D3DCCD1}">
-              <a14:hiddenFill xmlns:a14="http://schemas.microsoft.com/office/drawing/2010/main" xmlns="">
+              <a14:hiddenFill xmlns="" xmlns:a14="http://schemas.microsoft.com/office/drawing/2010/main">
                 <a:solidFill>
                   <a:srgbClr val="FFFFFF"/>
                 </a:solidFill>
               </a14:hiddenFill>
             </a:ext>
             <a:ext uri="{91240B29-F687-4f45-9708-019B960494DF}">
-              <a14:hiddenLine xmlns:a14="http://schemas.microsoft.com/office/drawing/2010/main" xmlns="" w="12700" cap="sq">
+              <a14:hiddenLine xmlns="" xmlns:a14="http://schemas.microsoft.com/office/drawing/2010/main" w="12700" cap="sq">
                 <a:solidFill>
                   <a:srgbClr val="000000"/>
                 </a:solidFill>
@@ -16078,14 +16106,14 @@
           </a:ln>
           <a:extLst>
             <a:ext uri="{909E8E84-426E-40dd-AFC4-6F175D3DCCD1}">
-              <a14:hiddenFill xmlns:a14="http://schemas.microsoft.com/office/drawing/2010/main" xmlns="">
+              <a14:hiddenFill xmlns="" xmlns:a14="http://schemas.microsoft.com/office/drawing/2010/main">
                 <a:solidFill>
                   <a:srgbClr val="FFFFFF"/>
                 </a:solidFill>
               </a14:hiddenFill>
             </a:ext>
             <a:ext uri="{91240B29-F687-4f45-9708-019B960494DF}">
-              <a14:hiddenLine xmlns:a14="http://schemas.microsoft.com/office/drawing/2010/main" xmlns="" w="12700" cap="sq">
+              <a14:hiddenLine xmlns="" xmlns:a14="http://schemas.microsoft.com/office/drawing/2010/main" w="12700" cap="sq">
                 <a:solidFill>
                   <a:srgbClr val="000000"/>
                 </a:solidFill>
@@ -16236,11 +16264,13 @@
             <a:schemeClr val="accent1"/>
           </a:solidFill>
           <a:ln>
-            <a:noFill/>
+            <a:solidFill>
+              <a:schemeClr val="bg1"/>
+            </a:solidFill>
           </a:ln>
           <a:extLst>
             <a:ext uri="{91240B29-F687-4f45-9708-019B960494DF}">
-              <a14:hiddenLine xmlns:a14="http://schemas.microsoft.com/office/drawing/2010/main" xmlns="" w="12700" cap="sq">
+              <a14:hiddenLine xmlns="" xmlns:a14="http://schemas.microsoft.com/office/drawing/2010/main" w="12700" cap="sq">
                 <a:solidFill>
                   <a:srgbClr val="000000"/>
                 </a:solidFill>
@@ -16499,11 +16529,13 @@
             <a:schemeClr val="accent1"/>
           </a:solidFill>
           <a:ln>
-            <a:noFill/>
+            <a:solidFill>
+              <a:schemeClr val="bg1"/>
+            </a:solidFill>
           </a:ln>
           <a:extLst>
             <a:ext uri="{91240B29-F687-4f45-9708-019B960494DF}">
-              <a14:hiddenLine xmlns:a14="http://schemas.microsoft.com/office/drawing/2010/main" xmlns="" w="12700" cap="sq">
+              <a14:hiddenLine xmlns="" xmlns:a14="http://schemas.microsoft.com/office/drawing/2010/main" w="12700" cap="sq">
                 <a:solidFill>
                   <a:srgbClr val="000000"/>
                 </a:solidFill>
@@ -16704,7 +16736,7 @@
           </a:ln>
           <a:extLst>
             <a:ext uri="{909E8E84-426E-40dd-AFC4-6F175D3DCCD1}">
-              <a14:hiddenFill xmlns:a14="http://schemas.microsoft.com/office/drawing/2010/main" xmlns="">
+              <a14:hiddenFill xmlns="" xmlns:a14="http://schemas.microsoft.com/office/drawing/2010/main">
                 <a:solidFill>
                   <a:srgbClr val="FFFFFF"/>
                 </a:solidFill>
@@ -17278,14 +17310,14 @@
           <a:ln/>
           <a:extLst>
             <a:ext uri="{909E8E84-426E-40dd-AFC4-6F175D3DCCD1}">
-              <a14:hiddenFill xmlns:a14="http://schemas.microsoft.com/office/drawing/2010/main" xmlns="">
+              <a14:hiddenFill xmlns="" xmlns:a14="http://schemas.microsoft.com/office/drawing/2010/main">
                 <a:solidFill>
                   <a:srgbClr val="FFFFFF"/>
                 </a:solidFill>
               </a14:hiddenFill>
             </a:ext>
             <a:ext uri="{91240B29-F687-4f45-9708-019B960494DF}">
-              <a14:hiddenLine xmlns:a14="http://schemas.microsoft.com/office/drawing/2010/main" xmlns="" w="9525">
+              <a14:hiddenLine xmlns="" xmlns:a14="http://schemas.microsoft.com/office/drawing/2010/main" w="9525">
                 <a:solidFill>
                   <a:srgbClr val="000000"/>
                 </a:solidFill>
@@ -17438,14 +17470,14 @@
           </a:ln>
           <a:extLst>
             <a:ext uri="{909E8E84-426E-40dd-AFC4-6F175D3DCCD1}">
-              <a14:hiddenFill xmlns:a14="http://schemas.microsoft.com/office/drawing/2010/main" xmlns="">
+              <a14:hiddenFill xmlns="" xmlns:a14="http://schemas.microsoft.com/office/drawing/2010/main">
                 <a:solidFill>
                   <a:srgbClr val="FFFFFF"/>
                 </a:solidFill>
               </a14:hiddenFill>
             </a:ext>
             <a:ext uri="{91240B29-F687-4f45-9708-019B960494DF}">
-              <a14:hiddenLine xmlns:a14="http://schemas.microsoft.com/office/drawing/2010/main" xmlns="" w="12700" cap="sq">
+              <a14:hiddenLine xmlns="" xmlns:a14="http://schemas.microsoft.com/office/drawing/2010/main" w="12700" cap="sq">
                 <a:solidFill>
                   <a:srgbClr val="000000"/>
                 </a:solidFill>
@@ -17604,11 +17636,13 @@
             <a:schemeClr val="accent1"/>
           </a:solidFill>
           <a:ln>
-            <a:noFill/>
+            <a:solidFill>
+              <a:schemeClr val="bg1"/>
+            </a:solidFill>
           </a:ln>
           <a:extLst>
             <a:ext uri="{91240B29-F687-4f45-9708-019B960494DF}">
-              <a14:hiddenLine xmlns:a14="http://schemas.microsoft.com/office/drawing/2010/main" xmlns="" w="12700" cap="sq">
+              <a14:hiddenLine xmlns="" xmlns:a14="http://schemas.microsoft.com/office/drawing/2010/main" w="12700" cap="sq">
                 <a:solidFill>
                   <a:srgbClr val="000000"/>
                 </a:solidFill>
@@ -17930,14 +17964,14 @@
           </a:ln>
           <a:extLst>
             <a:ext uri="{909E8E84-426E-40dd-AFC4-6F175D3DCCD1}">
-              <a14:hiddenFill xmlns:a14="http://schemas.microsoft.com/office/drawing/2010/main" xmlns="">
+              <a14:hiddenFill xmlns="" xmlns:a14="http://schemas.microsoft.com/office/drawing/2010/main">
                 <a:solidFill>
                   <a:srgbClr val="FFFFFF"/>
                 </a:solidFill>
               </a14:hiddenFill>
             </a:ext>
             <a:ext uri="{91240B29-F687-4f45-9708-019B960494DF}">
-              <a14:hiddenLine xmlns:a14="http://schemas.microsoft.com/office/drawing/2010/main" xmlns="" w="12700" cap="sq">
+              <a14:hiddenLine xmlns="" xmlns:a14="http://schemas.microsoft.com/office/drawing/2010/main" w="12700" cap="sq">
                 <a:solidFill>
                   <a:srgbClr val="000000"/>
                 </a:solidFill>
@@ -18088,11 +18122,13 @@
             <a:schemeClr val="accent1"/>
           </a:solidFill>
           <a:ln>
-            <a:noFill/>
+            <a:solidFill>
+              <a:schemeClr val="bg1"/>
+            </a:solidFill>
           </a:ln>
           <a:extLst>
             <a:ext uri="{91240B29-F687-4f45-9708-019B960494DF}">
-              <a14:hiddenLine xmlns:a14="http://schemas.microsoft.com/office/drawing/2010/main" xmlns="" w="12700" cap="sq">
+              <a14:hiddenLine xmlns="" xmlns:a14="http://schemas.microsoft.com/office/drawing/2010/main" w="12700" cap="sq">
                 <a:solidFill>
                   <a:srgbClr val="000000"/>
                 </a:solidFill>
@@ -18282,7 +18318,7 @@
           </a:ln>
           <a:extLst>
             <a:ext uri="{909E8E84-426E-40dd-AFC4-6F175D3DCCD1}">
-              <a14:hiddenFill xmlns:a14="http://schemas.microsoft.com/office/drawing/2010/main" xmlns="">
+              <a14:hiddenFill xmlns="" xmlns:a14="http://schemas.microsoft.com/office/drawing/2010/main">
                 <a:solidFill>
                   <a:srgbClr val="FFFFFF"/>
                 </a:solidFill>
@@ -18772,14 +18808,14 @@
           <a:ln/>
           <a:extLst>
             <a:ext uri="{909E8E84-426E-40dd-AFC4-6F175D3DCCD1}">
-              <a14:hiddenFill xmlns:a14="http://schemas.microsoft.com/office/drawing/2010/main" xmlns="">
+              <a14:hiddenFill xmlns="" xmlns:a14="http://schemas.microsoft.com/office/drawing/2010/main">
                 <a:solidFill>
                   <a:srgbClr val="FFFFFF"/>
                 </a:solidFill>
               </a14:hiddenFill>
             </a:ext>
             <a:ext uri="{91240B29-F687-4f45-9708-019B960494DF}">
-              <a14:hiddenLine xmlns:a14="http://schemas.microsoft.com/office/drawing/2010/main" xmlns="" w="9525">
+              <a14:hiddenLine xmlns="" xmlns:a14="http://schemas.microsoft.com/office/drawing/2010/main" w="9525">
                 <a:solidFill>
                   <a:srgbClr val="000000"/>
                 </a:solidFill>
@@ -18932,14 +18968,14 @@
           </a:ln>
           <a:extLst>
             <a:ext uri="{909E8E84-426E-40dd-AFC4-6F175D3DCCD1}">
-              <a14:hiddenFill xmlns:a14="http://schemas.microsoft.com/office/drawing/2010/main" xmlns="">
+              <a14:hiddenFill xmlns="" xmlns:a14="http://schemas.microsoft.com/office/drawing/2010/main">
                 <a:solidFill>
                   <a:srgbClr val="FFFFFF"/>
                 </a:solidFill>
               </a14:hiddenFill>
             </a:ext>
             <a:ext uri="{91240B29-F687-4f45-9708-019B960494DF}">
-              <a14:hiddenLine xmlns:a14="http://schemas.microsoft.com/office/drawing/2010/main" xmlns="" w="12700" cap="sq">
+              <a14:hiddenLine xmlns="" xmlns:a14="http://schemas.microsoft.com/office/drawing/2010/main" w="12700" cap="sq">
                 <a:solidFill>
                   <a:srgbClr val="000000"/>
                 </a:solidFill>
@@ -19080,7 +19116,7 @@
         </p:nvSpPr>
         <p:spPr bwMode="auto">
           <a:xfrm>
-            <a:off x="2076108" y="3685716"/>
+            <a:off x="2076108" y="3982354"/>
             <a:ext cx="6361112" cy="954107"/>
           </a:xfrm>
           <a:prstGeom prst="rect">
@@ -19090,11 +19126,13 @@
             <a:schemeClr val="accent1"/>
           </a:solidFill>
           <a:ln>
-            <a:noFill/>
+            <a:solidFill>
+              <a:schemeClr val="bg1"/>
+            </a:solidFill>
           </a:ln>
           <a:extLst>
             <a:ext uri="{91240B29-F687-4f45-9708-019B960494DF}">
-              <a14:hiddenLine xmlns:a14="http://schemas.microsoft.com/office/drawing/2010/main" xmlns="" w="12700" cap="sq">
+              <a14:hiddenLine xmlns="" xmlns:a14="http://schemas.microsoft.com/office/drawing/2010/main" w="12700" cap="sq">
                 <a:solidFill>
                   <a:srgbClr val="000000"/>
                 </a:solidFill>
@@ -19262,7 +19300,7 @@
         </p:nvSpPr>
         <p:spPr bwMode="auto">
           <a:xfrm>
-            <a:off x="1678085" y="4762225"/>
+            <a:off x="2076108" y="5258637"/>
             <a:ext cx="2416244" cy="523220"/>
           </a:xfrm>
           <a:prstGeom prst="rect">
@@ -19274,14 +19312,14 @@
           </a:ln>
           <a:extLst>
             <a:ext uri="{909E8E84-426E-40dd-AFC4-6F175D3DCCD1}">
-              <a14:hiddenFill xmlns:a14="http://schemas.microsoft.com/office/drawing/2010/main" xmlns="">
+              <a14:hiddenFill xmlns="" xmlns:a14="http://schemas.microsoft.com/office/drawing/2010/main">
                 <a:solidFill>
                   <a:srgbClr val="FFFFFF"/>
                 </a:solidFill>
               </a14:hiddenFill>
             </a:ext>
             <a:ext uri="{91240B29-F687-4f45-9708-019B960494DF}">
-              <a14:hiddenLine xmlns:a14="http://schemas.microsoft.com/office/drawing/2010/main" xmlns="" w="12700" cap="sq">
+              <a14:hiddenLine xmlns="" xmlns:a14="http://schemas.microsoft.com/office/drawing/2010/main" w="12700" cap="sq">
                 <a:solidFill>
                   <a:srgbClr val="000000"/>
                 </a:solidFill>
@@ -19422,7 +19460,7 @@
         </p:nvSpPr>
         <p:spPr bwMode="auto">
           <a:xfrm>
-            <a:off x="3365119" y="5425256"/>
+            <a:off x="3763142" y="5921668"/>
             <a:ext cx="3159839" cy="907941"/>
           </a:xfrm>
           <a:prstGeom prst="rect">
@@ -19432,11 +19470,13 @@
             <a:schemeClr val="accent1"/>
           </a:solidFill>
           <a:ln>
-            <a:noFill/>
+            <a:solidFill>
+              <a:schemeClr val="bg1"/>
+            </a:solidFill>
           </a:ln>
           <a:extLst>
             <a:ext uri="{91240B29-F687-4f45-9708-019B960494DF}">
-              <a14:hiddenLine xmlns:a14="http://schemas.microsoft.com/office/drawing/2010/main" xmlns="" w="12700" cap="sq">
+              <a14:hiddenLine xmlns="" xmlns:a14="http://schemas.microsoft.com/office/drawing/2010/main" w="12700" cap="sq">
                 <a:solidFill>
                   <a:srgbClr val="000000"/>
                 </a:solidFill>
@@ -19597,7 +19637,7 @@
         </p:nvSpPr>
         <p:spPr>
           <a:xfrm>
-            <a:off x="1058839" y="936332"/>
+            <a:off x="680321" y="950797"/>
             <a:ext cx="7772400" cy="685800"/>
           </a:xfrm>
           <a:prstGeom prst="rect">
@@ -19746,10 +19786,12 @@
           </a:lstStyle>
           <a:p>
             <a:r>
-              <a:rPr lang="en-US" kern="0" dirty="0">
-                <a:latin typeface="Arial Black" charset="0"/>
-                <a:ea typeface="ＭＳ Ｐゴシック" charset="0"/>
-                <a:cs typeface="ＭＳ Ｐゴシック" charset="0"/>
+              <a:rPr lang="en-US" sz="3200" dirty="0">
+                <a:solidFill>
+                  <a:schemeClr val="tx1"/>
+                </a:solidFill>
+                <a:ea typeface="+mj-ea"/>
+                <a:cs typeface="+mj-cs"/>
               </a:rPr>
               <a:t>length function</a:t>
             </a:r>
@@ -20180,15 +20222,18 @@
         </p:nvSpPr>
         <p:spPr/>
         <p:txBody>
-          <a:bodyPr/>
+          <a:bodyPr>
+            <a:normAutofit/>
+          </a:bodyPr>
           <a:lstStyle/>
           <a:p>
-            <a:r>
-              <a:rPr lang="en-US" dirty="0">
-                <a:latin typeface="Arial Black" charset="0"/>
-                <a:ea typeface="ＭＳ Ｐゴシック" charset="0"/>
-                <a:cs typeface="ＭＳ Ｐゴシック" charset="0"/>
-              </a:rPr>
+            <a:pPr defTabSz="457200" eaLnBrk="0" fontAlgn="base" hangingPunct="0">
+              <a:spcAft>
+                <a:spcPct val="0"/>
+              </a:spcAft>
+            </a:pPr>
+            <a:r>
+              <a:rPr kumimoji="1" lang="en-US" sz="3200" dirty="0"/>
               <a:t>String Comprehensions</a:t>
             </a:r>
           </a:p>
@@ -20209,14 +20254,14 @@
           <a:ln/>
           <a:extLst>
             <a:ext uri="{909E8E84-426E-40dd-AFC4-6F175D3DCCD1}">
-              <a14:hiddenFill xmlns:a14="http://schemas.microsoft.com/office/drawing/2010/main" xmlns="">
+              <a14:hiddenFill xmlns="" xmlns:a14="http://schemas.microsoft.com/office/drawing/2010/main">
                 <a:solidFill>
                   <a:srgbClr val="FFFFFF"/>
                 </a:solidFill>
               </a14:hiddenFill>
             </a:ext>
             <a:ext uri="{91240B29-F687-4f45-9708-019B960494DF}">
-              <a14:hiddenLine xmlns:a14="http://schemas.microsoft.com/office/drawing/2010/main" xmlns="" w="9525">
+              <a14:hiddenLine xmlns="" xmlns:a14="http://schemas.microsoft.com/office/drawing/2010/main" w="9525">
                 <a:solidFill>
                   <a:srgbClr val="000000"/>
                 </a:solidFill>
@@ -20369,14 +20414,14 @@
           </a:ln>
           <a:extLst>
             <a:ext uri="{909E8E84-426E-40dd-AFC4-6F175D3DCCD1}">
-              <a14:hiddenFill xmlns:a14="http://schemas.microsoft.com/office/drawing/2010/main" xmlns="">
+              <a14:hiddenFill xmlns="" xmlns:a14="http://schemas.microsoft.com/office/drawing/2010/main">
                 <a:solidFill>
                   <a:srgbClr val="FFFFFF"/>
                 </a:solidFill>
               </a14:hiddenFill>
             </a:ext>
             <a:ext uri="{91240B29-F687-4f45-9708-019B960494DF}">
-              <a14:hiddenLine xmlns:a14="http://schemas.microsoft.com/office/drawing/2010/main" xmlns="" w="12700" cap="sq">
+              <a14:hiddenLine xmlns="" xmlns:a14="http://schemas.microsoft.com/office/drawing/2010/main" w="12700" cap="sq">
                 <a:solidFill>
                   <a:srgbClr val="000000"/>
                 </a:solidFill>
@@ -20535,11 +20580,13 @@
             <a:schemeClr val="accent1"/>
           </a:solidFill>
           <a:ln>
-            <a:noFill/>
+            <a:solidFill>
+              <a:schemeClr val="bg1"/>
+            </a:solidFill>
           </a:ln>
           <a:extLst>
             <a:ext uri="{91240B29-F687-4f45-9708-019B960494DF}">
-              <a14:hiddenLine xmlns:a14="http://schemas.microsoft.com/office/drawing/2010/main" xmlns="" w="12700" cap="sq">
+              <a14:hiddenLine xmlns="" xmlns:a14="http://schemas.microsoft.com/office/drawing/2010/main" w="12700" cap="sq">
                 <a:solidFill>
                   <a:srgbClr val="000000"/>
                 </a:solidFill>
@@ -20722,7 +20769,7 @@
           </a:ln>
           <a:extLst>
             <a:ext uri="{909E8E84-426E-40dd-AFC4-6F175D3DCCD1}">
-              <a14:hiddenFill xmlns:a14="http://schemas.microsoft.com/office/drawing/2010/main" xmlns="">
+              <a14:hiddenFill xmlns="" xmlns:a14="http://schemas.microsoft.com/office/drawing/2010/main">
                 <a:solidFill>
                   <a:srgbClr val="FFFFFF"/>
                 </a:solidFill>
@@ -21179,7 +21226,7 @@
           <a:p>
             <a:r>
               <a:rPr lang="en-US" sz="3200" dirty="0"/>
-              <a:t>Strings are lists</a:t>
+              <a:t>Strings are lists:  ‘syntactic sugar’</a:t>
             </a:r>
           </a:p>
         </p:txBody>
@@ -21199,14 +21246,14 @@
           <a:ln/>
           <a:extLst>
             <a:ext uri="{909E8E84-426E-40dd-AFC4-6F175D3DCCD1}">
-              <a14:hiddenFill xmlns:a14="http://schemas.microsoft.com/office/drawing/2010/main" xmlns="">
+              <a14:hiddenFill xmlns="" xmlns:a14="http://schemas.microsoft.com/office/drawing/2010/main">
                 <a:solidFill>
                   <a:srgbClr val="FFFFFF"/>
                 </a:solidFill>
               </a14:hiddenFill>
             </a:ext>
             <a:ext uri="{91240B29-F687-4f45-9708-019B960494DF}">
-              <a14:hiddenLine xmlns:a14="http://schemas.microsoft.com/office/drawing/2010/main" xmlns="" w="9525">
+              <a14:hiddenLine xmlns="" xmlns:a14="http://schemas.microsoft.com/office/drawing/2010/main" w="9525">
                 <a:solidFill>
                   <a:srgbClr val="000000"/>
                 </a:solidFill>
@@ -21359,14 +21406,14 @@
           </a:ln>
           <a:extLst>
             <a:ext uri="{909E8E84-426E-40dd-AFC4-6F175D3DCCD1}">
-              <a14:hiddenFill xmlns:a14="http://schemas.microsoft.com/office/drawing/2010/main" xmlns="">
+              <a14:hiddenFill xmlns="" xmlns:a14="http://schemas.microsoft.com/office/drawing/2010/main">
                 <a:solidFill>
                   <a:srgbClr val="FFFFFF"/>
                 </a:solidFill>
               </a14:hiddenFill>
             </a:ext>
             <a:ext uri="{91240B29-F687-4f45-9708-019B960494DF}">
-              <a14:hiddenLine xmlns:a14="http://schemas.microsoft.com/office/drawing/2010/main" xmlns="" w="12700" cap="sq">
+              <a14:hiddenLine xmlns="" xmlns:a14="http://schemas.microsoft.com/office/drawing/2010/main" w="12700" cap="sq">
                 <a:solidFill>
                   <a:srgbClr val="000000"/>
                 </a:solidFill>
@@ -21515,7 +21562,7 @@
         </p:nvSpPr>
         <p:spPr bwMode="auto">
           <a:xfrm>
-            <a:off x="146051" y="4703940"/>
+            <a:off x="159114" y="3651689"/>
             <a:ext cx="3159839" cy="934743"/>
           </a:xfrm>
           <a:prstGeom prst="rect">
@@ -21525,11 +21572,13 @@
             <a:schemeClr val="accent1"/>
           </a:solidFill>
           <a:ln>
-            <a:noFill/>
+            <a:solidFill>
+              <a:schemeClr val="bg1"/>
+            </a:solidFill>
           </a:ln>
           <a:extLst>
             <a:ext uri="{91240B29-F687-4f45-9708-019B960494DF}">
-              <a14:hiddenLine xmlns:a14="http://schemas.microsoft.com/office/drawing/2010/main" xmlns="" w="12700" cap="sq">
+              <a14:hiddenLine xmlns="" xmlns:a14="http://schemas.microsoft.com/office/drawing/2010/main" w="12700" cap="sq">
                 <a:solidFill>
                   <a:srgbClr val="000000"/>
                 </a:solidFill>
@@ -21708,7 +21757,7 @@
         </p:nvSpPr>
         <p:spPr bwMode="auto">
           <a:xfrm>
-            <a:off x="3706394" y="4712437"/>
+            <a:off x="3318953" y="4803967"/>
             <a:ext cx="3159839" cy="934743"/>
           </a:xfrm>
           <a:prstGeom prst="rect">
@@ -21718,11 +21767,13 @@
             <a:schemeClr val="accent1"/>
           </a:solidFill>
           <a:ln>
-            <a:noFill/>
+            <a:solidFill>
+              <a:schemeClr val="bg1"/>
+            </a:solidFill>
           </a:ln>
           <a:extLst>
             <a:ext uri="{91240B29-F687-4f45-9708-019B960494DF}">
-              <a14:hiddenLine xmlns:a14="http://schemas.microsoft.com/office/drawing/2010/main" xmlns="" w="12700" cap="sq">
+              <a14:hiddenLine xmlns="" xmlns:a14="http://schemas.microsoft.com/office/drawing/2010/main" w="12700" cap="sq">
                 <a:solidFill>
                   <a:srgbClr val="000000"/>
                 </a:solidFill>
@@ -21923,11 +21974,13 @@
             <a:schemeClr val="accent1"/>
           </a:solidFill>
           <a:ln>
-            <a:noFill/>
+            <a:solidFill>
+              <a:schemeClr val="bg1"/>
+            </a:solidFill>
           </a:ln>
           <a:extLst>
             <a:ext uri="{91240B29-F687-4f45-9708-019B960494DF}">
-              <a14:hiddenLine xmlns:a14="http://schemas.microsoft.com/office/drawing/2010/main" xmlns="" w="12700" cap="sq">
+              <a14:hiddenLine xmlns="" xmlns:a14="http://schemas.microsoft.com/office/drawing/2010/main" w="12700" cap="sq">
                 <a:solidFill>
                   <a:srgbClr val="000000"/>
                 </a:solidFill>
@@ -22608,16 +22661,22 @@
             <p:ph type="title"/>
           </p:nvPr>
         </p:nvSpPr>
-        <p:spPr/>
+        <p:spPr>
+          <a:xfrm>
+            <a:off x="218982" y="769628"/>
+            <a:ext cx="9613861" cy="1080938"/>
+          </a:xfrm>
+        </p:spPr>
         <p:txBody>
-          <a:bodyPr/>
+          <a:bodyPr>
+            <a:normAutofit/>
+          </a:bodyPr>
           <a:lstStyle/>
           <a:p>
             <a:r>
-              <a:rPr lang="en-US">
-                <a:latin typeface="Arial Black" charset="0"/>
-                <a:ea typeface="ＭＳ Ｐゴシック" charset="0"/>
-                <a:cs typeface="ＭＳ Ｐゴシック" charset="0"/>
+              <a:rPr lang="en-US" sz="3200" b="1" dirty="0">
+                <a:latin typeface="+mn-lt"/>
+                <a:ea typeface="ＭＳ Ｐゴシック" charset="0"/>
               </a:rPr>
               <a:t>Set Comprehensions</a:t>
             </a:r>
@@ -22639,14 +22698,14 @@
           <a:ln/>
           <a:extLst>
             <a:ext uri="{909E8E84-426E-40dd-AFC4-6F175D3DCCD1}">
-              <a14:hiddenFill xmlns:a14="http://schemas.microsoft.com/office/drawing/2010/main" xmlns="">
+              <a14:hiddenFill xmlns="" xmlns:a14="http://schemas.microsoft.com/office/drawing/2010/main">
                 <a:solidFill>
                   <a:srgbClr val="FFFFFF"/>
                 </a:solidFill>
               </a14:hiddenFill>
             </a:ext>
             <a:ext uri="{91240B29-F687-4f45-9708-019B960494DF}">
-              <a14:hiddenLine xmlns:a14="http://schemas.microsoft.com/office/drawing/2010/main" xmlns="" w="9525">
+              <a14:hiddenLine xmlns="" xmlns:a14="http://schemas.microsoft.com/office/drawing/2010/main" w="9525">
                 <a:solidFill>
                   <a:srgbClr val="000000"/>
                 </a:solidFill>
@@ -22799,14 +22858,14 @@
           </a:ln>
           <a:extLst>
             <a:ext uri="{909E8E84-426E-40dd-AFC4-6F175D3DCCD1}">
-              <a14:hiddenFill xmlns:a14="http://schemas.microsoft.com/office/drawing/2010/main" xmlns="">
+              <a14:hiddenFill xmlns="" xmlns:a14="http://schemas.microsoft.com/office/drawing/2010/main">
                 <a:solidFill>
                   <a:srgbClr val="FFFFFF"/>
                 </a:solidFill>
               </a14:hiddenFill>
             </a:ext>
             <a:ext uri="{91240B29-F687-4f45-9708-019B960494DF}">
-              <a14:hiddenLine xmlns:a14="http://schemas.microsoft.com/office/drawing/2010/main" xmlns="" w="12700" cap="sq">
+              <a14:hiddenLine xmlns="" xmlns:a14="http://schemas.microsoft.com/office/drawing/2010/main" w="12700" cap="sq">
                 <a:solidFill>
                   <a:srgbClr val="000000"/>
                 </a:solidFill>
@@ -22973,7 +23032,7 @@
           </a:ln>
           <a:extLst>
             <a:ext uri="{91240B29-F687-4f45-9708-019B960494DF}">
-              <a14:hiddenLine xmlns:a14="http://schemas.microsoft.com/office/drawing/2010/main" xmlns="" w="12700" cap="sq">
+              <a14:hiddenLine xmlns="" xmlns:a14="http://schemas.microsoft.com/office/drawing/2010/main" w="12700" cap="sq">
                 <a:solidFill>
                   <a:srgbClr val="000000"/>
                 </a:solidFill>
@@ -23177,7 +23236,7 @@
           </a:ln>
           <a:extLst>
             <a:ext uri="{909E8E84-426E-40dd-AFC4-6F175D3DCCD1}">
-              <a14:hiddenFill xmlns:a14="http://schemas.microsoft.com/office/drawing/2010/main" xmlns="">
+              <a14:hiddenFill xmlns="" xmlns:a14="http://schemas.microsoft.com/office/drawing/2010/main">
                 <a:solidFill>
                   <a:srgbClr val="FFFFFF"/>
                 </a:solidFill>
@@ -23491,14 +23550,14 @@
           <a:ln/>
           <a:extLst>
             <a:ext uri="{909E8E84-426E-40dd-AFC4-6F175D3DCCD1}">
-              <a14:hiddenFill xmlns:a14="http://schemas.microsoft.com/office/drawing/2010/main" xmlns="">
+              <a14:hiddenFill xmlns="" xmlns:a14="http://schemas.microsoft.com/office/drawing/2010/main">
                 <a:solidFill>
                   <a:srgbClr val="FFFFFF"/>
                 </a:solidFill>
               </a14:hiddenFill>
             </a:ext>
             <a:ext uri="{91240B29-F687-4f45-9708-019B960494DF}">
-              <a14:hiddenLine xmlns:a14="http://schemas.microsoft.com/office/drawing/2010/main" xmlns="" w="9525">
+              <a14:hiddenLine xmlns="" xmlns:a14="http://schemas.microsoft.com/office/drawing/2010/main" w="9525">
                 <a:solidFill>
                   <a:srgbClr val="000000"/>
                 </a:solidFill>
@@ -23651,14 +23710,14 @@
           </a:ln>
           <a:extLst>
             <a:ext uri="{909E8E84-426E-40dd-AFC4-6F175D3DCCD1}">
-              <a14:hiddenFill xmlns:a14="http://schemas.microsoft.com/office/drawing/2010/main" xmlns="">
+              <a14:hiddenFill xmlns="" xmlns:a14="http://schemas.microsoft.com/office/drawing/2010/main">
                 <a:solidFill>
                   <a:srgbClr val="FFFFFF"/>
                 </a:solidFill>
               </a14:hiddenFill>
             </a:ext>
             <a:ext uri="{91240B29-F687-4f45-9708-019B960494DF}">
-              <a14:hiddenLine xmlns:a14="http://schemas.microsoft.com/office/drawing/2010/main" xmlns="" w="12700" cap="sq">
+              <a14:hiddenLine xmlns="" xmlns:a14="http://schemas.microsoft.com/office/drawing/2010/main" w="12700" cap="sq">
                 <a:solidFill>
                   <a:srgbClr val="000000"/>
                 </a:solidFill>
@@ -23809,11 +23868,13 @@
             <a:schemeClr val="accent1"/>
           </a:solidFill>
           <a:ln>
-            <a:noFill/>
+            <a:solidFill>
+              <a:schemeClr val="bg1"/>
+            </a:solidFill>
           </a:ln>
           <a:extLst>
             <a:ext uri="{91240B29-F687-4f45-9708-019B960494DF}">
-              <a14:hiddenLine xmlns:a14="http://schemas.microsoft.com/office/drawing/2010/main" xmlns="" w="12700" cap="sq">
+              <a14:hiddenLine xmlns="" xmlns:a14="http://schemas.microsoft.com/office/drawing/2010/main" w="12700" cap="sq">
                 <a:solidFill>
                   <a:srgbClr val="000000"/>
                 </a:solidFill>
@@ -24097,14 +24158,14 @@
           </a:ln>
           <a:extLst>
             <a:ext uri="{909E8E84-426E-40dd-AFC4-6F175D3DCCD1}">
-              <a14:hiddenFill xmlns:a14="http://schemas.microsoft.com/office/drawing/2010/main" xmlns="">
+              <a14:hiddenFill xmlns="" xmlns:a14="http://schemas.microsoft.com/office/drawing/2010/main">
                 <a:solidFill>
                   <a:srgbClr val="FFFFFF"/>
                 </a:solidFill>
               </a14:hiddenFill>
             </a:ext>
             <a:ext uri="{91240B29-F687-4f45-9708-019B960494DF}">
-              <a14:hiddenLine xmlns:a14="http://schemas.microsoft.com/office/drawing/2010/main" xmlns="" w="12700" cap="sq">
+              <a14:hiddenLine xmlns="" xmlns:a14="http://schemas.microsoft.com/office/drawing/2010/main" w="12700" cap="sq">
                 <a:solidFill>
                   <a:srgbClr val="000000"/>
                 </a:solidFill>
@@ -24255,11 +24316,13 @@
             <a:schemeClr val="accent1"/>
           </a:solidFill>
           <a:ln>
-            <a:noFill/>
+            <a:solidFill>
+              <a:schemeClr val="bg1"/>
+            </a:solidFill>
           </a:ln>
           <a:extLst>
             <a:ext uri="{91240B29-F687-4f45-9708-019B960494DF}">
-              <a14:hiddenLine xmlns:a14="http://schemas.microsoft.com/office/drawing/2010/main" xmlns="" w="12700" cap="sq">
+              <a14:hiddenLine xmlns="" xmlns:a14="http://schemas.microsoft.com/office/drawing/2010/main" w="12700" cap="sq">
                 <a:solidFill>
                   <a:srgbClr val="000000"/>
                 </a:solidFill>
@@ -24836,14 +24899,14 @@
         <p:spPr>
           <a:extLst>
             <a:ext uri="{909E8E84-426E-40dd-AFC4-6F175D3DCCD1}">
-              <a14:hiddenFill xmlns:a14="http://schemas.microsoft.com/office/drawing/2010/main" xmlns="">
+              <a14:hiddenFill xmlns="" xmlns:a14="http://schemas.microsoft.com/office/drawing/2010/main">
                 <a:solidFill>
                   <a:srgbClr val="FFFFFF"/>
                 </a:solidFill>
               </a14:hiddenFill>
             </a:ext>
             <a:ext uri="{91240B29-F687-4f45-9708-019B960494DF}">
-              <a14:hiddenLine xmlns:a14="http://schemas.microsoft.com/office/drawing/2010/main" xmlns="" w="9525">
+              <a14:hiddenLine xmlns="" xmlns:a14="http://schemas.microsoft.com/office/drawing/2010/main" w="9525">
                 <a:solidFill>
                   <a:srgbClr val="000000"/>
                 </a:solidFill>
@@ -25067,14 +25130,15 @@
         </p:nvSpPr>
         <p:spPr/>
         <p:txBody>
-          <a:bodyPr/>
+          <a:bodyPr>
+            <a:normAutofit/>
+          </a:bodyPr>
           <a:lstStyle/>
           <a:p>
             <a:r>
-              <a:rPr lang="en-US">
-                <a:latin typeface="Arial Black" charset="0"/>
-                <a:ea typeface="ＭＳ Ｐゴシック" charset="0"/>
-                <a:cs typeface="ＭＳ Ｐゴシック" charset="0"/>
+              <a:rPr lang="en-US" sz="3200" b="1" dirty="0">
+                <a:latin typeface="+mn-lt"/>
+                <a:ea typeface="ＭＳ Ｐゴシック" charset="0"/>
               </a:rPr>
               <a:t>Lists Comprehensions</a:t>
             </a:r>
@@ -25096,14 +25160,14 @@
           <a:ln/>
           <a:extLst>
             <a:ext uri="{909E8E84-426E-40dd-AFC4-6F175D3DCCD1}">
-              <a14:hiddenFill xmlns:a14="http://schemas.microsoft.com/office/drawing/2010/main" xmlns="">
+              <a14:hiddenFill xmlns="" xmlns:a14="http://schemas.microsoft.com/office/drawing/2010/main">
                 <a:solidFill>
                   <a:srgbClr val="FFFFFF"/>
                 </a:solidFill>
               </a14:hiddenFill>
             </a:ext>
             <a:ext uri="{91240B29-F687-4f45-9708-019B960494DF}">
-              <a14:hiddenLine xmlns:a14="http://schemas.microsoft.com/office/drawing/2010/main" xmlns="" w="9525">
+              <a14:hiddenLine xmlns="" xmlns:a14="http://schemas.microsoft.com/office/drawing/2010/main" w="9525">
                 <a:solidFill>
                   <a:srgbClr val="000000"/>
                 </a:solidFill>
@@ -25256,14 +25320,14 @@
           </a:ln>
           <a:extLst>
             <a:ext uri="{909E8E84-426E-40dd-AFC4-6F175D3DCCD1}">
-              <a14:hiddenFill xmlns:a14="http://schemas.microsoft.com/office/drawing/2010/main" xmlns="">
+              <a14:hiddenFill xmlns="" xmlns:a14="http://schemas.microsoft.com/office/drawing/2010/main">
                 <a:solidFill>
                   <a:srgbClr val="FFFFFF"/>
                 </a:solidFill>
               </a14:hiddenFill>
             </a:ext>
             <a:ext uri="{91240B29-F687-4f45-9708-019B960494DF}">
-              <a14:hiddenLine xmlns:a14="http://schemas.microsoft.com/office/drawing/2010/main" xmlns="" w="12700" cap="sq">
+              <a14:hiddenLine xmlns="" xmlns:a14="http://schemas.microsoft.com/office/drawing/2010/main" w="12700" cap="sq">
                 <a:solidFill>
                   <a:srgbClr val="000000"/>
                 </a:solidFill>
@@ -25426,7 +25490,7 @@
           </a:ln>
           <a:extLst>
             <a:ext uri="{91240B29-F687-4f45-9708-019B960494DF}">
-              <a14:hiddenLine xmlns:a14="http://schemas.microsoft.com/office/drawing/2010/main" xmlns="" w="12700" cap="sq">
+              <a14:hiddenLine xmlns="" xmlns:a14="http://schemas.microsoft.com/office/drawing/2010/main" w="12700" cap="sq">
                 <a:solidFill>
                   <a:srgbClr val="000000"/>
                 </a:solidFill>
@@ -25610,7 +25674,7 @@
           </a:ln>
           <a:extLst>
             <a:ext uri="{909E8E84-426E-40dd-AFC4-6F175D3DCCD1}">
-              <a14:hiddenFill xmlns:a14="http://schemas.microsoft.com/office/drawing/2010/main" xmlns="">
+              <a14:hiddenFill xmlns="" xmlns:a14="http://schemas.microsoft.com/office/drawing/2010/main">
                 <a:solidFill>
                   <a:srgbClr val="FFFFFF"/>
                 </a:solidFill>
@@ -25924,14 +25988,14 @@
           <a:ln/>
           <a:extLst>
             <a:ext uri="{909E8E84-426E-40dd-AFC4-6F175D3DCCD1}">
-              <a14:hiddenFill xmlns:a14="http://schemas.microsoft.com/office/drawing/2010/main" xmlns="">
+              <a14:hiddenFill xmlns="" xmlns:a14="http://schemas.microsoft.com/office/drawing/2010/main">
                 <a:solidFill>
                   <a:srgbClr val="FFFFFF"/>
                 </a:solidFill>
               </a14:hiddenFill>
             </a:ext>
             <a:ext uri="{91240B29-F687-4f45-9708-019B960494DF}">
-              <a14:hiddenLine xmlns:a14="http://schemas.microsoft.com/office/drawing/2010/main" xmlns="" w="9525">
+              <a14:hiddenLine xmlns="" xmlns:a14="http://schemas.microsoft.com/office/drawing/2010/main" w="9525">
                 <a:solidFill>
                   <a:srgbClr val="000000"/>
                 </a:solidFill>
@@ -26072,7 +26136,7 @@
         </p:nvSpPr>
         <p:spPr bwMode="auto">
           <a:xfrm>
-            <a:off x="1581074" y="1001309"/>
+            <a:off x="570972" y="1001054"/>
             <a:ext cx="1241045" cy="584775"/>
           </a:xfrm>
           <a:prstGeom prst="rect">
@@ -26084,14 +26148,14 @@
           </a:ln>
           <a:extLst>
             <a:ext uri="{909E8E84-426E-40dd-AFC4-6F175D3DCCD1}">
-              <a14:hiddenFill xmlns:a14="http://schemas.microsoft.com/office/drawing/2010/main" xmlns="">
+              <a14:hiddenFill xmlns="" xmlns:a14="http://schemas.microsoft.com/office/drawing/2010/main">
                 <a:solidFill>
                   <a:srgbClr val="FFFFFF"/>
                 </a:solidFill>
               </a14:hiddenFill>
             </a:ext>
             <a:ext uri="{91240B29-F687-4f45-9708-019B960494DF}">
-              <a14:hiddenLine xmlns:a14="http://schemas.microsoft.com/office/drawing/2010/main" xmlns="" w="12700" cap="sq">
+              <a14:hiddenLine xmlns="" xmlns:a14="http://schemas.microsoft.com/office/drawing/2010/main" w="12700" cap="sq">
                 <a:solidFill>
                   <a:srgbClr val="000000"/>
                 </a:solidFill>
@@ -26246,14 +26310,14 @@
           </a:ln>
           <a:extLst>
             <a:ext uri="{909E8E84-426E-40dd-AFC4-6F175D3DCCD1}">
-              <a14:hiddenFill xmlns:a14="http://schemas.microsoft.com/office/drawing/2010/main" xmlns="">
+              <a14:hiddenFill xmlns="" xmlns:a14="http://schemas.microsoft.com/office/drawing/2010/main">
                 <a:solidFill>
                   <a:srgbClr val="FFFFFF"/>
                 </a:solidFill>
               </a14:hiddenFill>
             </a:ext>
             <a:ext uri="{91240B29-F687-4f45-9708-019B960494DF}">
-              <a14:hiddenLine xmlns:a14="http://schemas.microsoft.com/office/drawing/2010/main" xmlns="" w="9525">
+              <a14:hiddenLine xmlns="" xmlns:a14="http://schemas.microsoft.com/office/drawing/2010/main" w="9525">
                 <a:solidFill>
                   <a:srgbClr val="000000"/>
                 </a:solidFill>
@@ -26363,11 +26427,13 @@
             <a:schemeClr val="accent1"/>
           </a:solidFill>
           <a:ln>
-            <a:noFill/>
+            <a:solidFill>
+              <a:schemeClr val="bg1"/>
+            </a:solidFill>
           </a:ln>
           <a:extLst>
             <a:ext uri="{91240B29-F687-4f45-9708-019B960494DF}">
-              <a14:hiddenLine xmlns:a14="http://schemas.microsoft.com/office/drawing/2010/main" xmlns="" w="12700" cap="sq">
+              <a14:hiddenLine xmlns="" xmlns:a14="http://schemas.microsoft.com/office/drawing/2010/main" w="12700" cap="sq">
                 <a:solidFill>
                   <a:srgbClr val="000000"/>
                 </a:solidFill>
@@ -26957,14 +27023,14 @@
           <a:ln/>
           <a:extLst>
             <a:ext uri="{909E8E84-426E-40dd-AFC4-6F175D3DCCD1}">
-              <a14:hiddenFill xmlns:a14="http://schemas.microsoft.com/office/drawing/2010/main" xmlns="">
+              <a14:hiddenFill xmlns="" xmlns:a14="http://schemas.microsoft.com/office/drawing/2010/main">
                 <a:solidFill>
                   <a:srgbClr val="FFFFFF"/>
                 </a:solidFill>
               </a14:hiddenFill>
             </a:ext>
             <a:ext uri="{91240B29-F687-4f45-9708-019B960494DF}">
-              <a14:hiddenLine xmlns:a14="http://schemas.microsoft.com/office/drawing/2010/main" xmlns="" w="9525">
+              <a14:hiddenLine xmlns="" xmlns:a14="http://schemas.microsoft.com/office/drawing/2010/main" w="9525">
                 <a:solidFill>
                   <a:srgbClr val="000000"/>
                 </a:solidFill>
@@ -27117,14 +27183,14 @@
           </a:ln>
           <a:extLst>
             <a:ext uri="{909E8E84-426E-40dd-AFC4-6F175D3DCCD1}">
-              <a14:hiddenFill xmlns:a14="http://schemas.microsoft.com/office/drawing/2010/main" xmlns="">
+              <a14:hiddenFill xmlns="" xmlns:a14="http://schemas.microsoft.com/office/drawing/2010/main">
                 <a:solidFill>
                   <a:srgbClr val="FFFFFF"/>
                 </a:solidFill>
               </a14:hiddenFill>
             </a:ext>
             <a:ext uri="{91240B29-F687-4f45-9708-019B960494DF}">
-              <a14:hiddenLine xmlns:a14="http://schemas.microsoft.com/office/drawing/2010/main" xmlns="" w="9525">
+              <a14:hiddenLine xmlns="" xmlns:a14="http://schemas.microsoft.com/office/drawing/2010/main" w="9525">
                 <a:solidFill>
                   <a:srgbClr val="000000"/>
                 </a:solidFill>
@@ -27184,11 +27250,13 @@
             <a:schemeClr val="accent1"/>
           </a:solidFill>
           <a:ln>
-            <a:noFill/>
+            <a:solidFill>
+              <a:schemeClr val="bg1"/>
+            </a:solidFill>
           </a:ln>
           <a:extLst>
             <a:ext uri="{91240B29-F687-4f45-9708-019B960494DF}">
-              <a14:hiddenLine xmlns:a14="http://schemas.microsoft.com/office/drawing/2010/main" xmlns="" w="12700" cap="sq">
+              <a14:hiddenLine xmlns="" xmlns:a14="http://schemas.microsoft.com/office/drawing/2010/main" w="12700" cap="sq">
                 <a:solidFill>
                   <a:srgbClr val="000000"/>
                 </a:solidFill>
@@ -27394,14 +27462,14 @@
           </a:ln>
           <a:extLst>
             <a:ext uri="{909E8E84-426E-40dd-AFC4-6F175D3DCCD1}">
-              <a14:hiddenFill xmlns:a14="http://schemas.microsoft.com/office/drawing/2010/main" xmlns="">
+              <a14:hiddenFill xmlns="" xmlns:a14="http://schemas.microsoft.com/office/drawing/2010/main">
                 <a:solidFill>
                   <a:srgbClr val="FFFFFF"/>
                 </a:solidFill>
               </a14:hiddenFill>
             </a:ext>
             <a:ext uri="{91240B29-F687-4f45-9708-019B960494DF}">
-              <a14:hiddenLine xmlns:a14="http://schemas.microsoft.com/office/drawing/2010/main" xmlns="" w="9525">
+              <a14:hiddenLine xmlns="" xmlns:a14="http://schemas.microsoft.com/office/drawing/2010/main" w="9525">
                 <a:solidFill>
                   <a:srgbClr val="000000"/>
                 </a:solidFill>
@@ -28555,14 +28623,14 @@
           <a:ln/>
           <a:extLst>
             <a:ext uri="{909E8E84-426E-40dd-AFC4-6F175D3DCCD1}">
-              <a14:hiddenFill xmlns:a14="http://schemas.microsoft.com/office/drawing/2010/main" xmlns="">
+              <a14:hiddenFill xmlns="" xmlns:a14="http://schemas.microsoft.com/office/drawing/2010/main">
                 <a:solidFill>
                   <a:srgbClr val="FFFFFF"/>
                 </a:solidFill>
               </a14:hiddenFill>
             </a:ext>
             <a:ext uri="{91240B29-F687-4f45-9708-019B960494DF}">
-              <a14:hiddenLine xmlns:a14="http://schemas.microsoft.com/office/drawing/2010/main" xmlns="" w="9525">
+              <a14:hiddenLine xmlns="" xmlns:a14="http://schemas.microsoft.com/office/drawing/2010/main" w="9525">
                 <a:solidFill>
                   <a:srgbClr val="000000"/>
                 </a:solidFill>
@@ -28703,7 +28771,7 @@
         </p:nvSpPr>
         <p:spPr bwMode="auto">
           <a:xfrm>
-            <a:off x="2743201" y="1741400"/>
+            <a:off x="3069772" y="2519862"/>
             <a:ext cx="7064755" cy="1200329"/>
           </a:xfrm>
           <a:prstGeom prst="rect">
@@ -28713,11 +28781,13 @@
             <a:schemeClr val="accent1"/>
           </a:solidFill>
           <a:ln>
-            <a:noFill/>
+            <a:solidFill>
+              <a:schemeClr val="bg1"/>
+            </a:solidFill>
           </a:ln>
           <a:extLst>
             <a:ext uri="{91240B29-F687-4f45-9708-019B960494DF}">
-              <a14:hiddenLine xmlns:a14="http://schemas.microsoft.com/office/drawing/2010/main" xmlns="" w="12700" cap="sq">
+              <a14:hiddenLine xmlns="" xmlns:a14="http://schemas.microsoft.com/office/drawing/2010/main" w="12700" cap="sq">
                 <a:solidFill>
                   <a:srgbClr val="000000"/>
                 </a:solidFill>
@@ -28923,14 +28993,14 @@
           </a:ln>
           <a:extLst>
             <a:ext uri="{909E8E84-426E-40dd-AFC4-6F175D3DCCD1}">
-              <a14:hiddenFill xmlns:a14="http://schemas.microsoft.com/office/drawing/2010/main" xmlns="">
+              <a14:hiddenFill xmlns="" xmlns:a14="http://schemas.microsoft.com/office/drawing/2010/main">
                 <a:solidFill>
                   <a:srgbClr val="FFFFFF"/>
                 </a:solidFill>
               </a14:hiddenFill>
             </a:ext>
             <a:ext uri="{91240B29-F687-4f45-9708-019B960494DF}">
-              <a14:hiddenLine xmlns:a14="http://schemas.microsoft.com/office/drawing/2010/main" xmlns="" w="9525">
+              <a14:hiddenLine xmlns="" xmlns:a14="http://schemas.microsoft.com/office/drawing/2010/main" w="9525">
                 <a:solidFill>
                   <a:srgbClr val="000000"/>
                 </a:solidFill>
@@ -28972,7 +29042,7 @@
         </p:nvSpPr>
         <p:spPr bwMode="auto">
           <a:xfrm>
-            <a:off x="3060700" y="4697770"/>
+            <a:off x="3387271" y="5350912"/>
             <a:ext cx="6426200" cy="1328023"/>
           </a:xfrm>
           <a:prstGeom prst="wedgeRoundRectCallout">
@@ -28995,7 +29065,7 @@
           </a:ln>
           <a:extLst>
             <a:ext uri="{909E8E84-426E-40dd-AFC4-6F175D3DCCD1}">
-              <a14:hiddenFill xmlns:a14="http://schemas.microsoft.com/office/drawing/2010/main" xmlns="">
+              <a14:hiddenFill xmlns="" xmlns:a14="http://schemas.microsoft.com/office/drawing/2010/main">
                 <a:solidFill>
                   <a:srgbClr val="FFFFFF"/>
                 </a:solidFill>
@@ -29037,7 +29107,7 @@
         </p:nvSpPr>
         <p:spPr bwMode="auto">
           <a:xfrm flipV="1">
-            <a:off x="3292475" y="3079750"/>
+            <a:off x="3619046" y="3732892"/>
             <a:ext cx="0" cy="495300"/>
           </a:xfrm>
           <a:prstGeom prst="line">
@@ -29054,7 +29124,7 @@
           </a:ln>
           <a:extLst>
             <a:ext uri="{909E8E84-426E-40dd-AFC4-6F175D3DCCD1}">
-              <a14:hiddenFill xmlns:a14="http://schemas.microsoft.com/office/drawing/2010/main" xmlns="">
+              <a14:hiddenFill xmlns="" xmlns:a14="http://schemas.microsoft.com/office/drawing/2010/main">
                 <a:noFill/>
               </a14:hiddenFill>
             </a:ext>
@@ -29080,7 +29150,7 @@
         </p:nvSpPr>
         <p:spPr bwMode="auto">
           <a:xfrm flipV="1">
-            <a:off x="4384675" y="3079750"/>
+            <a:off x="4711246" y="3732892"/>
             <a:ext cx="0" cy="495300"/>
           </a:xfrm>
           <a:prstGeom prst="line">
@@ -29097,7 +29167,7 @@
           </a:ln>
           <a:extLst>
             <a:ext uri="{909E8E84-426E-40dd-AFC4-6F175D3DCCD1}">
-              <a14:hiddenFill xmlns:a14="http://schemas.microsoft.com/office/drawing/2010/main" xmlns="">
+              <a14:hiddenFill xmlns="" xmlns:a14="http://schemas.microsoft.com/office/drawing/2010/main">
                 <a:noFill/>
               </a14:hiddenFill>
             </a:ext>
@@ -29123,7 +29193,7 @@
         </p:nvSpPr>
         <p:spPr bwMode="auto">
           <a:xfrm flipV="1">
-            <a:off x="5489575" y="3079750"/>
+            <a:off x="5816146" y="3732892"/>
             <a:ext cx="0" cy="495300"/>
           </a:xfrm>
           <a:prstGeom prst="line">
@@ -29140,7 +29210,7 @@
           </a:ln>
           <a:extLst>
             <a:ext uri="{909E8E84-426E-40dd-AFC4-6F175D3DCCD1}">
-              <a14:hiddenFill xmlns:a14="http://schemas.microsoft.com/office/drawing/2010/main" xmlns="">
+              <a14:hiddenFill xmlns="" xmlns:a14="http://schemas.microsoft.com/office/drawing/2010/main">
                 <a:noFill/>
               </a14:hiddenFill>
             </a:ext>
@@ -29166,7 +29236,7 @@
         </p:nvSpPr>
         <p:spPr bwMode="auto">
           <a:xfrm flipV="1">
-            <a:off x="6619875" y="3079750"/>
+            <a:off x="6946446" y="3732892"/>
             <a:ext cx="0" cy="495300"/>
           </a:xfrm>
           <a:prstGeom prst="line">
@@ -29183,7 +29253,7 @@
           </a:ln>
           <a:extLst>
             <a:ext uri="{909E8E84-426E-40dd-AFC4-6F175D3DCCD1}">
-              <a14:hiddenFill xmlns:a14="http://schemas.microsoft.com/office/drawing/2010/main" xmlns="">
+              <a14:hiddenFill xmlns="" xmlns:a14="http://schemas.microsoft.com/office/drawing/2010/main">
                 <a:noFill/>
               </a14:hiddenFill>
             </a:ext>
@@ -29209,7 +29279,7 @@
         </p:nvSpPr>
         <p:spPr bwMode="auto">
           <a:xfrm flipV="1">
-            <a:off x="7699375" y="3079750"/>
+            <a:off x="8025946" y="3732892"/>
             <a:ext cx="0" cy="495300"/>
           </a:xfrm>
           <a:prstGeom prst="line">
@@ -29226,7 +29296,7 @@
           </a:ln>
           <a:extLst>
             <a:ext uri="{909E8E84-426E-40dd-AFC4-6F175D3DCCD1}">
-              <a14:hiddenFill xmlns:a14="http://schemas.microsoft.com/office/drawing/2010/main" xmlns="">
+              <a14:hiddenFill xmlns="" xmlns:a14="http://schemas.microsoft.com/office/drawing/2010/main">
                 <a:noFill/>
               </a14:hiddenFill>
             </a:ext>
@@ -29252,7 +29322,7 @@
         </p:nvSpPr>
         <p:spPr bwMode="auto">
           <a:xfrm flipV="1">
-            <a:off x="8805863" y="3079750"/>
+            <a:off x="9132434" y="3732892"/>
             <a:ext cx="0" cy="495300"/>
           </a:xfrm>
           <a:prstGeom prst="line">
@@ -29269,7 +29339,7 @@
           </a:ln>
           <a:extLst>
             <a:ext uri="{909E8E84-426E-40dd-AFC4-6F175D3DCCD1}">
-              <a14:hiddenFill xmlns:a14="http://schemas.microsoft.com/office/drawing/2010/main" xmlns="">
+              <a14:hiddenFill xmlns="" xmlns:a14="http://schemas.microsoft.com/office/drawing/2010/main">
                 <a:noFill/>
               </a14:hiddenFill>
             </a:ext>
@@ -29295,7 +29365,7 @@
         </p:nvSpPr>
         <p:spPr bwMode="auto">
           <a:xfrm flipH="1" flipV="1">
-            <a:off x="3292475" y="3575051"/>
+            <a:off x="3619046" y="4228193"/>
             <a:ext cx="2846388" cy="1039813"/>
           </a:xfrm>
           <a:prstGeom prst="line">
@@ -29312,7 +29382,7 @@
           </a:ln>
           <a:extLst>
             <a:ext uri="{909E8E84-426E-40dd-AFC4-6F175D3DCCD1}">
-              <a14:hiddenFill xmlns:a14="http://schemas.microsoft.com/office/drawing/2010/main" xmlns="">
+              <a14:hiddenFill xmlns="" xmlns:a14="http://schemas.microsoft.com/office/drawing/2010/main">
                 <a:noFill/>
               </a14:hiddenFill>
             </a:ext>
@@ -29338,7 +29408,7 @@
         </p:nvSpPr>
         <p:spPr bwMode="auto">
           <a:xfrm>
-            <a:off x="4381501" y="3575051"/>
+            <a:off x="4708072" y="4228193"/>
             <a:ext cx="1744663" cy="1039813"/>
           </a:xfrm>
           <a:prstGeom prst="line">
@@ -29355,7 +29425,7 @@
           </a:ln>
           <a:extLst>
             <a:ext uri="{909E8E84-426E-40dd-AFC4-6F175D3DCCD1}">
-              <a14:hiddenFill xmlns:a14="http://schemas.microsoft.com/office/drawing/2010/main" xmlns="">
+              <a14:hiddenFill xmlns="" xmlns:a14="http://schemas.microsoft.com/office/drawing/2010/main">
                 <a:noFill/>
               </a14:hiddenFill>
             </a:ext>
@@ -29381,7 +29451,7 @@
         </p:nvSpPr>
         <p:spPr bwMode="auto">
           <a:xfrm>
-            <a:off x="5494339" y="3587751"/>
+            <a:off x="5820910" y="4240893"/>
             <a:ext cx="631825" cy="1027113"/>
           </a:xfrm>
           <a:prstGeom prst="line">
@@ -29398,7 +29468,7 @@
           </a:ln>
           <a:extLst>
             <a:ext uri="{909E8E84-426E-40dd-AFC4-6F175D3DCCD1}">
-              <a14:hiddenFill xmlns:a14="http://schemas.microsoft.com/office/drawing/2010/main" xmlns="">
+              <a14:hiddenFill xmlns="" xmlns:a14="http://schemas.microsoft.com/office/drawing/2010/main">
                 <a:noFill/>
               </a14:hiddenFill>
             </a:ext>
@@ -29424,7 +29494,7 @@
         </p:nvSpPr>
         <p:spPr bwMode="auto">
           <a:xfrm flipH="1">
-            <a:off x="6126163" y="3575051"/>
+            <a:off x="6452734" y="4228193"/>
             <a:ext cx="495300" cy="1039813"/>
           </a:xfrm>
           <a:prstGeom prst="line">
@@ -29441,7 +29511,7 @@
           </a:ln>
           <a:extLst>
             <a:ext uri="{909E8E84-426E-40dd-AFC4-6F175D3DCCD1}">
-              <a14:hiddenFill xmlns:a14="http://schemas.microsoft.com/office/drawing/2010/main" xmlns="">
+              <a14:hiddenFill xmlns="" xmlns:a14="http://schemas.microsoft.com/office/drawing/2010/main">
                 <a:noFill/>
               </a14:hiddenFill>
             </a:ext>
@@ -29467,7 +29537,7 @@
         </p:nvSpPr>
         <p:spPr bwMode="auto">
           <a:xfrm flipV="1">
-            <a:off x="6126164" y="3575051"/>
+            <a:off x="6452735" y="4228193"/>
             <a:ext cx="1570037" cy="1039813"/>
           </a:xfrm>
           <a:prstGeom prst="line">
@@ -29484,7 +29554,7 @@
           </a:ln>
           <a:extLst>
             <a:ext uri="{909E8E84-426E-40dd-AFC4-6F175D3DCCD1}">
-              <a14:hiddenFill xmlns:a14="http://schemas.microsoft.com/office/drawing/2010/main" xmlns="">
+              <a14:hiddenFill xmlns="" xmlns:a14="http://schemas.microsoft.com/office/drawing/2010/main">
                 <a:noFill/>
               </a14:hiddenFill>
             </a:ext>
@@ -29510,7 +29580,7 @@
         </p:nvSpPr>
         <p:spPr bwMode="auto">
           <a:xfrm flipV="1">
-            <a:off x="6126163" y="3587751"/>
+            <a:off x="6452734" y="4240893"/>
             <a:ext cx="2684462" cy="1027113"/>
           </a:xfrm>
           <a:prstGeom prst="line">
@@ -29527,7 +29597,7 @@
           </a:ln>
           <a:extLst>
             <a:ext uri="{909E8E84-426E-40dd-AFC4-6F175D3DCCD1}">
-              <a14:hiddenFill xmlns:a14="http://schemas.microsoft.com/office/drawing/2010/main" xmlns="">
+              <a14:hiddenFill xmlns="" xmlns:a14="http://schemas.microsoft.com/office/drawing/2010/main">
                 <a:noFill/>
               </a14:hiddenFill>
             </a:ext>
@@ -30792,7 +30862,7 @@
         </p:nvSpPr>
         <p:spPr>
           <a:xfrm>
-            <a:off x="2795725" y="753228"/>
+            <a:off x="209279" y="727596"/>
             <a:ext cx="4642306" cy="1080938"/>
           </a:xfrm>
         </p:spPr>
@@ -30835,14 +30905,14 @@
           <a:ln/>
           <a:extLst>
             <a:ext uri="{909E8E84-426E-40dd-AFC4-6F175D3DCCD1}">
-              <a14:hiddenFill xmlns:a14="http://schemas.microsoft.com/office/drawing/2010/main" xmlns="">
+              <a14:hiddenFill xmlns="" xmlns:a14="http://schemas.microsoft.com/office/drawing/2010/main">
                 <a:solidFill>
                   <a:srgbClr val="FFFFFF"/>
                 </a:solidFill>
               </a14:hiddenFill>
             </a:ext>
             <a:ext uri="{91240B29-F687-4f45-9708-019B960494DF}">
-              <a14:hiddenLine xmlns:a14="http://schemas.microsoft.com/office/drawing/2010/main" xmlns="" w="9525">
+              <a14:hiddenLine xmlns="" xmlns:a14="http://schemas.microsoft.com/office/drawing/2010/main" w="9525">
                 <a:solidFill>
                   <a:srgbClr val="000000"/>
                 </a:solidFill>
@@ -30995,14 +31065,14 @@
           </a:ln>
           <a:extLst>
             <a:ext uri="{909E8E84-426E-40dd-AFC4-6F175D3DCCD1}">
-              <a14:hiddenFill xmlns:a14="http://schemas.microsoft.com/office/drawing/2010/main" xmlns="">
+              <a14:hiddenFill xmlns="" xmlns:a14="http://schemas.microsoft.com/office/drawing/2010/main">
                 <a:solidFill>
                   <a:srgbClr val="FFFFFF"/>
                 </a:solidFill>
               </a14:hiddenFill>
             </a:ext>
             <a:ext uri="{91240B29-F687-4f45-9708-019B960494DF}">
-              <a14:hiddenLine xmlns:a14="http://schemas.microsoft.com/office/drawing/2010/main" xmlns="" w="12700" cap="sq">
+              <a14:hiddenLine xmlns="" xmlns:a14="http://schemas.microsoft.com/office/drawing/2010/main" w="12700" cap="sq">
                 <a:solidFill>
                   <a:srgbClr val="000000"/>
                 </a:solidFill>
@@ -31161,11 +31231,13 @@
             <a:schemeClr val="accent1"/>
           </a:solidFill>
           <a:ln>
-            <a:noFill/>
+            <a:solidFill>
+              <a:schemeClr val="bg1"/>
+            </a:solidFill>
           </a:ln>
           <a:extLst>
             <a:ext uri="{91240B29-F687-4f45-9708-019B960494DF}">
-              <a14:hiddenLine xmlns:a14="http://schemas.microsoft.com/office/drawing/2010/main" xmlns="" w="12700" cap="sq">
+              <a14:hiddenLine xmlns="" xmlns:a14="http://schemas.microsoft.com/office/drawing/2010/main" w="12700" cap="sq">
                 <a:solidFill>
                   <a:srgbClr val="000000"/>
                 </a:solidFill>
@@ -31374,7 +31446,7 @@
           </a:ln>
           <a:extLst>
             <a:ext uri="{909E8E84-426E-40dd-AFC4-6F175D3DCCD1}">
-              <a14:hiddenFill xmlns:a14="http://schemas.microsoft.com/office/drawing/2010/main" xmlns="">
+              <a14:hiddenFill xmlns="" xmlns:a14="http://schemas.microsoft.com/office/drawing/2010/main">
                 <a:solidFill>
                   <a:srgbClr val="FFFFFF"/>
                 </a:solidFill>
@@ -31699,14 +31771,14 @@
           <a:ln/>
           <a:extLst>
             <a:ext uri="{909E8E84-426E-40dd-AFC4-6F175D3DCCD1}">
-              <a14:hiddenFill xmlns:a14="http://schemas.microsoft.com/office/drawing/2010/main" xmlns="">
+              <a14:hiddenFill xmlns="" xmlns:a14="http://schemas.microsoft.com/office/drawing/2010/main">
                 <a:solidFill>
                   <a:srgbClr val="FFFFFF"/>
                 </a:solidFill>
               </a14:hiddenFill>
             </a:ext>
             <a:ext uri="{91240B29-F687-4f45-9708-019B960494DF}">
-              <a14:hiddenLine xmlns:a14="http://schemas.microsoft.com/office/drawing/2010/main" xmlns="" w="9525">
+              <a14:hiddenLine xmlns="" xmlns:a14="http://schemas.microsoft.com/office/drawing/2010/main" w="9525">
                 <a:solidFill>
                   <a:srgbClr val="000000"/>
                 </a:solidFill>
@@ -31859,14 +31931,14 @@
           </a:ln>
           <a:extLst>
             <a:ext uri="{909E8E84-426E-40dd-AFC4-6F175D3DCCD1}">
-              <a14:hiddenFill xmlns:a14="http://schemas.microsoft.com/office/drawing/2010/main" xmlns="">
+              <a14:hiddenFill xmlns="" xmlns:a14="http://schemas.microsoft.com/office/drawing/2010/main">
                 <a:solidFill>
                   <a:srgbClr val="FFFFFF"/>
                 </a:solidFill>
               </a14:hiddenFill>
             </a:ext>
             <a:ext uri="{91240B29-F687-4f45-9708-019B960494DF}">
-              <a14:hiddenLine xmlns:a14="http://schemas.microsoft.com/office/drawing/2010/main" xmlns="" w="12700" cap="sq">
+              <a14:hiddenLine xmlns="" xmlns:a14="http://schemas.microsoft.com/office/drawing/2010/main" w="12700" cap="sq">
                 <a:solidFill>
                   <a:srgbClr val="000000"/>
                 </a:solidFill>
@@ -32033,11 +32105,13 @@
             <a:schemeClr val="accent1"/>
           </a:solidFill>
           <a:ln>
-            <a:noFill/>
+            <a:solidFill>
+              <a:schemeClr val="bg1"/>
+            </a:solidFill>
           </a:ln>
           <a:extLst>
             <a:ext uri="{91240B29-F687-4f45-9708-019B960494DF}">
-              <a14:hiddenLine xmlns:a14="http://schemas.microsoft.com/office/drawing/2010/main" xmlns="" w="12700" cap="sq">
+              <a14:hiddenLine xmlns="" xmlns:a14="http://schemas.microsoft.com/office/drawing/2010/main" w="12700" cap="sq">
                 <a:solidFill>
                   <a:srgbClr val="000000"/>
                 </a:solidFill>
@@ -32327,14 +32401,14 @@
           </a:ln>
           <a:extLst>
             <a:ext uri="{909E8E84-426E-40dd-AFC4-6F175D3DCCD1}">
-              <a14:hiddenFill xmlns:a14="http://schemas.microsoft.com/office/drawing/2010/main" xmlns="">
+              <a14:hiddenFill xmlns="" xmlns:a14="http://schemas.microsoft.com/office/drawing/2010/main">
                 <a:solidFill>
                   <a:srgbClr val="FFFFFF"/>
                 </a:solidFill>
               </a14:hiddenFill>
             </a:ext>
             <a:ext uri="{91240B29-F687-4f45-9708-019B960494DF}">
-              <a14:hiddenLine xmlns:a14="http://schemas.microsoft.com/office/drawing/2010/main" xmlns="" w="12700" cap="sq">
+              <a14:hiddenLine xmlns="" xmlns:a14="http://schemas.microsoft.com/office/drawing/2010/main" w="12700" cap="sq">
                 <a:solidFill>
                   <a:srgbClr val="000000"/>
                 </a:solidFill>
@@ -32485,11 +32559,13 @@
             <a:schemeClr val="accent1"/>
           </a:solidFill>
           <a:ln>
-            <a:noFill/>
+            <a:solidFill>
+              <a:schemeClr val="bg1"/>
+            </a:solidFill>
           </a:ln>
           <a:extLst>
             <a:ext uri="{91240B29-F687-4f45-9708-019B960494DF}">
-              <a14:hiddenLine xmlns:a14="http://schemas.microsoft.com/office/drawing/2010/main" xmlns="" w="12700" cap="sq">
+              <a14:hiddenLine xmlns="" xmlns:a14="http://schemas.microsoft.com/office/drawing/2010/main" w="12700" cap="sq">
                 <a:solidFill>
                   <a:srgbClr val="000000"/>
                 </a:solidFill>
@@ -32979,7 +33055,7 @@
         </p:nvSpPr>
         <p:spPr>
           <a:xfrm>
-            <a:off x="4694413" y="781365"/>
+            <a:off x="592676" y="732536"/>
             <a:ext cx="1667094" cy="1080938"/>
           </a:xfrm>
         </p:spPr>
@@ -33015,14 +33091,14 @@
           <a:ln/>
           <a:extLst>
             <a:ext uri="{909E8E84-426E-40dd-AFC4-6F175D3DCCD1}">
-              <a14:hiddenFill xmlns:a14="http://schemas.microsoft.com/office/drawing/2010/main" xmlns="">
+              <a14:hiddenFill xmlns="" xmlns:a14="http://schemas.microsoft.com/office/drawing/2010/main">
                 <a:solidFill>
                   <a:srgbClr val="FFFFFF"/>
                 </a:solidFill>
               </a14:hiddenFill>
             </a:ext>
             <a:ext uri="{91240B29-F687-4f45-9708-019B960494DF}">
-              <a14:hiddenLine xmlns:a14="http://schemas.microsoft.com/office/drawing/2010/main" xmlns="" w="9525">
+              <a14:hiddenLine xmlns="" xmlns:a14="http://schemas.microsoft.com/office/drawing/2010/main" w="9525">
                 <a:solidFill>
                   <a:srgbClr val="000000"/>
                 </a:solidFill>
@@ -33175,14 +33251,14 @@
           </a:ln>
           <a:extLst>
             <a:ext uri="{909E8E84-426E-40dd-AFC4-6F175D3DCCD1}">
-              <a14:hiddenFill xmlns:a14="http://schemas.microsoft.com/office/drawing/2010/main" xmlns="">
+              <a14:hiddenFill xmlns="" xmlns:a14="http://schemas.microsoft.com/office/drawing/2010/main">
                 <a:solidFill>
                   <a:srgbClr val="FFFFFF"/>
                 </a:solidFill>
               </a14:hiddenFill>
             </a:ext>
             <a:ext uri="{91240B29-F687-4f45-9708-019B960494DF}">
-              <a14:hiddenLine xmlns:a14="http://schemas.microsoft.com/office/drawing/2010/main" xmlns="" w="12700" cap="sq">
+              <a14:hiddenLine xmlns="" xmlns:a14="http://schemas.microsoft.com/office/drawing/2010/main" w="12700" cap="sq">
                 <a:solidFill>
                   <a:srgbClr val="000000"/>
                 </a:solidFill>
@@ -33341,11 +33417,13 @@
             <a:schemeClr val="accent1"/>
           </a:solidFill>
           <a:ln>
-            <a:noFill/>
+            <a:solidFill>
+              <a:schemeClr val="bg1"/>
+            </a:solidFill>
           </a:ln>
           <a:extLst>
             <a:ext uri="{91240B29-F687-4f45-9708-019B960494DF}">
-              <a14:hiddenLine xmlns:a14="http://schemas.microsoft.com/office/drawing/2010/main" xmlns="" w="12700" cap="sq">
+              <a14:hiddenLine xmlns="" xmlns:a14="http://schemas.microsoft.com/office/drawing/2010/main" w="12700" cap="sq">
                 <a:solidFill>
                   <a:srgbClr val="000000"/>
                 </a:solidFill>
@@ -33532,7 +33610,7 @@
           </a:ln>
           <a:extLst>
             <a:ext uri="{909E8E84-426E-40dd-AFC4-6F175D3DCCD1}">
-              <a14:hiddenFill xmlns:a14="http://schemas.microsoft.com/office/drawing/2010/main" xmlns="">
+              <a14:hiddenFill xmlns="" xmlns:a14="http://schemas.microsoft.com/office/drawing/2010/main">
                 <a:solidFill>
                   <a:srgbClr val="FFFFFF"/>
                 </a:solidFill>
